--- a/bullhorn images.pptx
+++ b/bullhorn images.pptx
@@ -7,7 +7,12 @@
   <p:sldIdLst>
     <p:sldId id="256" r:id="rId2"/>
     <p:sldId id="257" r:id="rId3"/>
-    <p:sldId id="258" r:id="rId4"/>
+    <p:sldId id="260" r:id="rId4"/>
+    <p:sldId id="258" r:id="rId5"/>
+    <p:sldId id="261" r:id="rId6"/>
+    <p:sldId id="262" r:id="rId7"/>
+    <p:sldId id="263" r:id="rId8"/>
+    <p:sldId id="259" r:id="rId9"/>
   </p:sldIdLst>
   <p:sldSz cx="12192000" cy="6858000"/>
   <p:notesSz cx="6858000" cy="9144000"/>
@@ -240,7 +245,7 @@
           <a:p>
             <a:fld id="{BFB0A2EB-1E25-49F9-8A35-5E299FA4AF6E}" type="datetimeFigureOut">
               <a:rPr lang="en-US" smtClean="0"/>
-              <a:t>10/26/2016</a:t>
+              <a:t>11/1/2016</a:t>
             </a:fld>
             <a:endParaRPr lang="en-US"/>
           </a:p>
@@ -410,7 +415,7 @@
           <a:p>
             <a:fld id="{BFB0A2EB-1E25-49F9-8A35-5E299FA4AF6E}" type="datetimeFigureOut">
               <a:rPr lang="en-US" smtClean="0"/>
-              <a:t>10/26/2016</a:t>
+              <a:t>11/1/2016</a:t>
             </a:fld>
             <a:endParaRPr lang="en-US"/>
           </a:p>
@@ -590,7 +595,7 @@
           <a:p>
             <a:fld id="{BFB0A2EB-1E25-49F9-8A35-5E299FA4AF6E}" type="datetimeFigureOut">
               <a:rPr lang="en-US" smtClean="0"/>
-              <a:t>10/26/2016</a:t>
+              <a:t>11/1/2016</a:t>
             </a:fld>
             <a:endParaRPr lang="en-US"/>
           </a:p>
@@ -760,7 +765,7 @@
           <a:p>
             <a:fld id="{BFB0A2EB-1E25-49F9-8A35-5E299FA4AF6E}" type="datetimeFigureOut">
               <a:rPr lang="en-US" smtClean="0"/>
-              <a:t>10/26/2016</a:t>
+              <a:t>11/1/2016</a:t>
             </a:fld>
             <a:endParaRPr lang="en-US"/>
           </a:p>
@@ -1006,7 +1011,7 @@
           <a:p>
             <a:fld id="{BFB0A2EB-1E25-49F9-8A35-5E299FA4AF6E}" type="datetimeFigureOut">
               <a:rPr lang="en-US" smtClean="0"/>
-              <a:t>10/26/2016</a:t>
+              <a:t>11/1/2016</a:t>
             </a:fld>
             <a:endParaRPr lang="en-US"/>
           </a:p>
@@ -1238,7 +1243,7 @@
           <a:p>
             <a:fld id="{BFB0A2EB-1E25-49F9-8A35-5E299FA4AF6E}" type="datetimeFigureOut">
               <a:rPr lang="en-US" smtClean="0"/>
-              <a:t>10/26/2016</a:t>
+              <a:t>11/1/2016</a:t>
             </a:fld>
             <a:endParaRPr lang="en-US"/>
           </a:p>
@@ -1605,7 +1610,7 @@
           <a:p>
             <a:fld id="{BFB0A2EB-1E25-49F9-8A35-5E299FA4AF6E}" type="datetimeFigureOut">
               <a:rPr lang="en-US" smtClean="0"/>
-              <a:t>10/26/2016</a:t>
+              <a:t>11/1/2016</a:t>
             </a:fld>
             <a:endParaRPr lang="en-US"/>
           </a:p>
@@ -1723,7 +1728,7 @@
           <a:p>
             <a:fld id="{BFB0A2EB-1E25-49F9-8A35-5E299FA4AF6E}" type="datetimeFigureOut">
               <a:rPr lang="en-US" smtClean="0"/>
-              <a:t>10/26/2016</a:t>
+              <a:t>11/1/2016</a:t>
             </a:fld>
             <a:endParaRPr lang="en-US"/>
           </a:p>
@@ -1818,7 +1823,7 @@
           <a:p>
             <a:fld id="{BFB0A2EB-1E25-49F9-8A35-5E299FA4AF6E}" type="datetimeFigureOut">
               <a:rPr lang="en-US" smtClean="0"/>
-              <a:t>10/26/2016</a:t>
+              <a:t>11/1/2016</a:t>
             </a:fld>
             <a:endParaRPr lang="en-US"/>
           </a:p>
@@ -2095,7 +2100,7 @@
           <a:p>
             <a:fld id="{BFB0A2EB-1E25-49F9-8A35-5E299FA4AF6E}" type="datetimeFigureOut">
               <a:rPr lang="en-US" smtClean="0"/>
-              <a:t>10/26/2016</a:t>
+              <a:t>11/1/2016</a:t>
             </a:fld>
             <a:endParaRPr lang="en-US"/>
           </a:p>
@@ -2348,7 +2353,7 @@
           <a:p>
             <a:fld id="{BFB0A2EB-1E25-49F9-8A35-5E299FA4AF6E}" type="datetimeFigureOut">
               <a:rPr lang="en-US" smtClean="0"/>
-              <a:t>10/26/2016</a:t>
+              <a:t>11/1/2016</a:t>
             </a:fld>
             <a:endParaRPr lang="en-US"/>
           </a:p>
@@ -2561,7 +2566,7 @@
           <a:p>
             <a:fld id="{BFB0A2EB-1E25-49F9-8A35-5E299FA4AF6E}" type="datetimeFigureOut">
               <a:rPr lang="en-US" smtClean="0"/>
-              <a:t>10/26/2016</a:t>
+              <a:t>11/1/2016</a:t>
             </a:fld>
             <a:endParaRPr lang="en-US"/>
           </a:p>
@@ -2966,54 +2971,6 @@
           <a:chExt cx="0" cy="0"/>
         </a:xfrm>
       </p:grpSpPr>
-      <p:sp>
-        <p:nvSpPr>
-          <p:cNvPr id="4" name="Rectangle 3"/>
-          <p:cNvSpPr/>
-          <p:nvPr/>
-        </p:nvSpPr>
-        <p:spPr>
-          <a:xfrm>
-            <a:off x="1670858" y="3640975"/>
-            <a:ext cx="1147157" cy="748145"/>
-          </a:xfrm>
-          <a:prstGeom prst="rect">
-            <a:avLst/>
-          </a:prstGeom>
-          <a:solidFill>
-            <a:schemeClr val="bg1"/>
-          </a:solidFill>
-          <a:ln w="38100">
-            <a:solidFill>
-              <a:schemeClr val="tx1"/>
-            </a:solidFill>
-          </a:ln>
-        </p:spPr>
-        <p:style>
-          <a:lnRef idx="2">
-            <a:schemeClr val="accent1">
-              <a:shade val="50000"/>
-            </a:schemeClr>
-          </a:lnRef>
-          <a:fillRef idx="1">
-            <a:schemeClr val="accent1"/>
-          </a:fillRef>
-          <a:effectRef idx="0">
-            <a:schemeClr val="accent1"/>
-          </a:effectRef>
-          <a:fontRef idx="minor">
-            <a:schemeClr val="lt1"/>
-          </a:fontRef>
-        </p:style>
-        <p:txBody>
-          <a:bodyPr rtlCol="0" anchor="ctr"/>
-          <a:lstStyle/>
-          <a:p>
-            <a:pPr algn="ctr"/>
-            <a:endParaRPr lang="en-US"/>
-          </a:p>
-        </p:txBody>
-      </p:sp>
       <p:pic>
         <p:nvPicPr>
           <p:cNvPr id="1026" name="Picture 2" descr="https://upload.wikimedia.org/wikipedia/commons/thumb/c/c4/Linecons_database.svg/200px-Linecons_database.svg.png"/>
@@ -3037,8 +2994,8 @@
         </p:blipFill>
         <p:spPr bwMode="auto">
           <a:xfrm>
-            <a:off x="8451676" y="1042554"/>
-            <a:ext cx="1418013" cy="1418013"/>
+            <a:off x="9002519" y="1385130"/>
+            <a:ext cx="1908913" cy="1908913"/>
           </a:xfrm>
           <a:prstGeom prst="rect">
             <a:avLst/>
@@ -3055,102 +3012,134 @@
           </a:extLst>
         </p:spPr>
       </p:pic>
-      <p:sp>
-        <p:nvSpPr>
-          <p:cNvPr id="8" name="Rectangle 7"/>
-          <p:cNvSpPr/>
+      <p:pic>
+        <p:nvPicPr>
+          <p:cNvPr id="2050" name="Picture 2"/>
+          <p:cNvPicPr>
+            <a:picLocks noChangeAspect="1" noChangeArrowheads="1"/>
+          </p:cNvPicPr>
           <p:nvPr/>
-        </p:nvSpPr>
-        <p:spPr>
-          <a:xfrm>
-            <a:off x="4233949" y="4087091"/>
-            <a:ext cx="1147157" cy="748145"/>
+        </p:nvPicPr>
+        <p:blipFill>
+          <a:blip r:embed="rId3">
+            <a:extLst>
+              <a:ext uri="{28A0092B-C50C-407E-A947-70E740481C1C}">
+                <a14:useLocalDpi xmlns:a14="http://schemas.microsoft.com/office/drawing/2010/main" val="0"/>
+              </a:ext>
+            </a:extLst>
+          </a:blip>
+          <a:srcRect/>
+          <a:stretch>
+            <a:fillRect/>
+          </a:stretch>
+        </p:blipFill>
+        <p:spPr bwMode="auto">
+          <a:xfrm>
+            <a:off x="1209197" y="488567"/>
+            <a:ext cx="4400550" cy="2314575"/>
           </a:xfrm>
           <a:prstGeom prst="rect">
             <a:avLst/>
           </a:prstGeom>
-          <a:solidFill>
-            <a:schemeClr val="bg1"/>
-          </a:solidFill>
-          <a:ln w="38100">
-            <a:solidFill>
-              <a:schemeClr val="tx1"/>
-            </a:solidFill>
+          <a:noFill/>
+          <a:ln>
+            <a:noFill/>
           </a:ln>
-        </p:spPr>
-        <p:style>
-          <a:lnRef idx="2">
-            <a:schemeClr val="accent1">
-              <a:shade val="50000"/>
-            </a:schemeClr>
-          </a:lnRef>
-          <a:fillRef idx="1">
-            <a:schemeClr val="accent1"/>
-          </a:fillRef>
-          <a:effectRef idx="0">
-            <a:schemeClr val="accent1"/>
-          </a:effectRef>
-          <a:fontRef idx="minor">
-            <a:schemeClr val="lt1"/>
-          </a:fontRef>
-        </p:style>
-        <p:txBody>
-          <a:bodyPr rtlCol="0" anchor="ctr"/>
-          <a:lstStyle/>
-          <a:p>
-            <a:pPr algn="ctr"/>
-            <a:endParaRPr lang="en-US"/>
-          </a:p>
-        </p:txBody>
-      </p:sp>
-      <p:sp>
-        <p:nvSpPr>
-          <p:cNvPr id="9" name="Rectangle 8"/>
-          <p:cNvSpPr/>
+          <a:effectLst/>
+          <a:extLst>
+            <a:ext uri="{909E8E84-426E-40DD-AFC4-6F175D3DCCD1}">
+              <a14:hiddenFill xmlns:a14="http://schemas.microsoft.com/office/drawing/2010/main">
+                <a:solidFill>
+                  <a:schemeClr val="accent1"/>
+                </a:solidFill>
+              </a14:hiddenFill>
+            </a:ext>
+            <a:ext uri="{91240B29-F687-4F45-9708-019B960494DF}">
+              <a14:hiddenLine xmlns:a14="http://schemas.microsoft.com/office/drawing/2010/main" w="9525">
+                <a:solidFill>
+                  <a:schemeClr val="tx1"/>
+                </a:solidFill>
+                <a:miter lim="800000"/>
+                <a:headEnd/>
+                <a:tailEnd/>
+              </a14:hiddenLine>
+            </a:ext>
+            <a:ext uri="{AF507438-7753-43E0-B8FC-AC1667EBCBE1}">
+              <a14:hiddenEffects xmlns:a14="http://schemas.microsoft.com/office/drawing/2010/main">
+                <a:effectLst>
+                  <a:outerShdw dist="35921" dir="2700000" algn="ctr" rotWithShape="0">
+                    <a:schemeClr val="bg2"/>
+                  </a:outerShdw>
+                </a:effectLst>
+              </a14:hiddenEffects>
+            </a:ext>
+          </a:extLst>
+        </p:spPr>
+      </p:pic>
+      <p:pic>
+        <p:nvPicPr>
+          <p:cNvPr id="2051" name="Picture 3"/>
+          <p:cNvPicPr>
+            <a:picLocks noChangeAspect="1" noChangeArrowheads="1"/>
+          </p:cNvPicPr>
           <p:nvPr/>
-        </p:nvSpPr>
-        <p:spPr>
-          <a:xfrm>
-            <a:off x="6231775" y="3338946"/>
-            <a:ext cx="1147157" cy="748145"/>
+        </p:nvPicPr>
+        <p:blipFill>
+          <a:blip r:embed="rId4">
+            <a:extLst>
+              <a:ext uri="{28A0092B-C50C-407E-A947-70E740481C1C}">
+                <a14:useLocalDpi xmlns:a14="http://schemas.microsoft.com/office/drawing/2010/main" val="0"/>
+              </a:ext>
+            </a:extLst>
+          </a:blip>
+          <a:srcRect/>
+          <a:stretch>
+            <a:fillRect/>
+          </a:stretch>
+        </p:blipFill>
+        <p:spPr bwMode="auto">
+          <a:xfrm>
+            <a:off x="5058545" y="3490134"/>
+            <a:ext cx="4628890" cy="3075930"/>
           </a:xfrm>
           <a:prstGeom prst="rect">
             <a:avLst/>
           </a:prstGeom>
-          <a:solidFill>
-            <a:schemeClr val="bg1"/>
-          </a:solidFill>
-          <a:ln w="38100">
-            <a:solidFill>
-              <a:schemeClr val="tx1"/>
-            </a:solidFill>
+          <a:noFill/>
+          <a:ln>
+            <a:noFill/>
           </a:ln>
-        </p:spPr>
-        <p:style>
-          <a:lnRef idx="2">
-            <a:schemeClr val="accent1">
-              <a:shade val="50000"/>
-            </a:schemeClr>
-          </a:lnRef>
-          <a:fillRef idx="1">
-            <a:schemeClr val="accent1"/>
-          </a:fillRef>
-          <a:effectRef idx="0">
-            <a:schemeClr val="accent1"/>
-          </a:effectRef>
-          <a:fontRef idx="minor">
-            <a:schemeClr val="lt1"/>
-          </a:fontRef>
-        </p:style>
-        <p:txBody>
-          <a:bodyPr rtlCol="0" anchor="ctr"/>
-          <a:lstStyle/>
-          <a:p>
-            <a:pPr algn="ctr"/>
-            <a:endParaRPr lang="en-US"/>
-          </a:p>
-        </p:txBody>
-      </p:sp>
+          <a:effectLst/>
+          <a:extLst>
+            <a:ext uri="{909E8E84-426E-40DD-AFC4-6F175D3DCCD1}">
+              <a14:hiddenFill xmlns:a14="http://schemas.microsoft.com/office/drawing/2010/main">
+                <a:solidFill>
+                  <a:schemeClr val="accent1"/>
+                </a:solidFill>
+              </a14:hiddenFill>
+            </a:ext>
+            <a:ext uri="{91240B29-F687-4F45-9708-019B960494DF}">
+              <a14:hiddenLine xmlns:a14="http://schemas.microsoft.com/office/drawing/2010/main" w="9525">
+                <a:solidFill>
+                  <a:schemeClr val="tx1"/>
+                </a:solidFill>
+                <a:miter lim="800000"/>
+                <a:headEnd/>
+                <a:tailEnd/>
+              </a14:hiddenLine>
+            </a:ext>
+            <a:ext uri="{AF507438-7753-43E0-B8FC-AC1667EBCBE1}">
+              <a14:hiddenEffects xmlns:a14="http://schemas.microsoft.com/office/drawing/2010/main">
+                <a:effectLst>
+                  <a:outerShdw dist="35921" dir="2700000" algn="ctr" rotWithShape="0">
+                    <a:schemeClr val="bg2"/>
+                  </a:outerShdw>
+                </a:effectLst>
+              </a14:hiddenEffects>
+            </a:ext>
+          </a:extLst>
+        </p:spPr>
+      </p:pic>
     </p:spTree>
     <p:extLst>
       <p:ext uri="{BB962C8B-B14F-4D97-AF65-F5344CB8AC3E}">
@@ -4368,61 +4357,6 @@
           <a:chExt cx="0" cy="0"/>
         </a:xfrm>
       </p:grpSpPr>
-      <p:sp>
-        <p:nvSpPr>
-          <p:cNvPr id="9" name="Rectangle 8"/>
-          <p:cNvSpPr/>
-          <p:nvPr/>
-        </p:nvSpPr>
-        <p:spPr>
-          <a:xfrm>
-            <a:off x="4589418" y="1505644"/>
-            <a:ext cx="1614010" cy="967046"/>
-          </a:xfrm>
-          <a:prstGeom prst="rect">
-            <a:avLst/>
-          </a:prstGeom>
-          <a:solidFill>
-            <a:schemeClr val="bg1"/>
-          </a:solidFill>
-          <a:ln w="38100">
-            <a:solidFill>
-              <a:schemeClr val="tx1"/>
-            </a:solidFill>
-          </a:ln>
-        </p:spPr>
-        <p:style>
-          <a:lnRef idx="2">
-            <a:schemeClr val="accent1">
-              <a:shade val="50000"/>
-            </a:schemeClr>
-          </a:lnRef>
-          <a:fillRef idx="1">
-            <a:schemeClr val="accent1"/>
-          </a:fillRef>
-          <a:effectRef idx="0">
-            <a:schemeClr val="accent1"/>
-          </a:effectRef>
-          <a:fontRef idx="minor">
-            <a:schemeClr val="lt1"/>
-          </a:fontRef>
-        </p:style>
-        <p:txBody>
-          <a:bodyPr rtlCol="0" anchor="ctr"/>
-          <a:lstStyle/>
-          <a:p>
-            <a:pPr algn="ctr"/>
-            <a:r>
-              <a:rPr lang="en-US" dirty="0" smtClean="0"/>
-              <a:t>Data</a:t>
-            </a:r>
-          </a:p>
-          <a:p>
-            <a:pPr algn="ctr"/>
-            <a:endParaRPr lang="en-US" dirty="0"/>
-          </a:p>
-        </p:txBody>
-      </p:sp>
       <p:pic>
         <p:nvPicPr>
           <p:cNvPr id="1026" name="Picture 2" descr="https://upload.wikimedia.org/wikipedia/commons/thumb/c/c4/Linecons_database.svg/200px-Linecons_database.svg.png"/>
@@ -4446,8 +4380,8 @@
         </p:blipFill>
         <p:spPr bwMode="auto">
           <a:xfrm>
-            <a:off x="9614835" y="694115"/>
-            <a:ext cx="1418013" cy="1418013"/>
+            <a:off x="7991701" y="1767602"/>
+            <a:ext cx="1209936" cy="1209936"/>
           </a:xfrm>
           <a:prstGeom prst="rect">
             <a:avLst/>
@@ -4486,12 +4420,767 @@
         </p:blipFill>
         <p:spPr>
           <a:xfrm>
-            <a:off x="557994" y="5218732"/>
-            <a:ext cx="1798409" cy="1393767"/>
+            <a:off x="611697" y="1816910"/>
+            <a:ext cx="1798409" cy="1061296"/>
           </a:xfrm>
           <a:prstGeom prst="rect">
             <a:avLst/>
           </a:prstGeom>
+        </p:spPr>
+      </p:pic>
+      <p:grpSp>
+        <p:nvGrpSpPr>
+          <p:cNvPr id="11" name="Group 10"/>
+          <p:cNvGrpSpPr/>
+          <p:nvPr/>
+        </p:nvGrpSpPr>
+        <p:grpSpPr>
+          <a:xfrm>
+            <a:off x="5915507" y="1838381"/>
+            <a:ext cx="1632643" cy="1072876"/>
+            <a:chOff x="5580322" y="3250276"/>
+            <a:chExt cx="1180408" cy="748145"/>
+          </a:xfrm>
+        </p:grpSpPr>
+        <p:sp>
+          <p:nvSpPr>
+            <p:cNvPr id="17" name="Rectangle 16"/>
+            <p:cNvSpPr/>
+            <p:nvPr/>
+          </p:nvSpPr>
+          <p:spPr>
+            <a:xfrm>
+              <a:off x="5588636" y="3250276"/>
+              <a:ext cx="1147157" cy="748145"/>
+            </a:xfrm>
+            <a:prstGeom prst="rect">
+              <a:avLst/>
+            </a:prstGeom>
+            <a:solidFill>
+              <a:schemeClr val="bg1"/>
+            </a:solidFill>
+            <a:ln w="38100">
+              <a:solidFill>
+                <a:schemeClr val="tx1"/>
+              </a:solidFill>
+            </a:ln>
+          </p:spPr>
+          <p:style>
+            <a:lnRef idx="2">
+              <a:schemeClr val="accent1">
+                <a:shade val="50000"/>
+              </a:schemeClr>
+            </a:lnRef>
+            <a:fillRef idx="1">
+              <a:schemeClr val="accent1"/>
+            </a:fillRef>
+            <a:effectRef idx="0">
+              <a:schemeClr val="accent1"/>
+            </a:effectRef>
+            <a:fontRef idx="minor">
+              <a:schemeClr val="lt1"/>
+            </a:fontRef>
+          </p:style>
+          <p:txBody>
+            <a:bodyPr rtlCol="0" anchor="ctr"/>
+            <a:lstStyle/>
+            <a:p>
+              <a:pPr algn="ctr"/>
+              <a:endParaRPr lang="en-US" dirty="0"/>
+            </a:p>
+          </p:txBody>
+        </p:sp>
+        <p:cxnSp>
+          <p:nvCxnSpPr>
+            <p:cNvPr id="18" name="Straight Connector 17"/>
+            <p:cNvCxnSpPr/>
+            <p:nvPr/>
+          </p:nvCxnSpPr>
+          <p:spPr>
+            <a:xfrm>
+              <a:off x="5580322" y="3435927"/>
+              <a:ext cx="1180408" cy="0"/>
+            </a:xfrm>
+            <a:prstGeom prst="line">
+              <a:avLst/>
+            </a:prstGeom>
+            <a:solidFill>
+              <a:schemeClr val="bg1"/>
+            </a:solidFill>
+            <a:ln w="38100">
+              <a:solidFill>
+                <a:schemeClr val="tx1"/>
+              </a:solidFill>
+            </a:ln>
+          </p:spPr>
+          <p:style>
+            <a:lnRef idx="2">
+              <a:schemeClr val="accent1">
+                <a:shade val="50000"/>
+              </a:schemeClr>
+            </a:lnRef>
+            <a:fillRef idx="1">
+              <a:schemeClr val="accent1"/>
+            </a:fillRef>
+            <a:effectRef idx="0">
+              <a:schemeClr val="accent1"/>
+            </a:effectRef>
+            <a:fontRef idx="minor">
+              <a:schemeClr val="lt1"/>
+            </a:fontRef>
+          </p:style>
+        </p:cxnSp>
+      </p:grpSp>
+      <p:sp>
+        <p:nvSpPr>
+          <p:cNvPr id="27" name="Rectangle 26"/>
+          <p:cNvSpPr/>
+          <p:nvPr/>
+        </p:nvSpPr>
+        <p:spPr>
+          <a:xfrm>
+            <a:off x="3688402" y="1878287"/>
+            <a:ext cx="1632643" cy="999918"/>
+          </a:xfrm>
+          <a:prstGeom prst="rect">
+            <a:avLst/>
+          </a:prstGeom>
+          <a:solidFill>
+            <a:schemeClr val="bg1"/>
+          </a:solidFill>
+          <a:ln w="38100">
+            <a:solidFill>
+              <a:schemeClr val="tx1"/>
+            </a:solidFill>
+          </a:ln>
+        </p:spPr>
+        <p:style>
+          <a:lnRef idx="2">
+            <a:schemeClr val="accent1">
+              <a:shade val="50000"/>
+            </a:schemeClr>
+          </a:lnRef>
+          <a:fillRef idx="1">
+            <a:schemeClr val="accent1"/>
+          </a:fillRef>
+          <a:effectRef idx="0">
+            <a:schemeClr val="accent1"/>
+          </a:effectRef>
+          <a:fontRef idx="minor">
+            <a:schemeClr val="lt1"/>
+          </a:fontRef>
+        </p:style>
+        <p:txBody>
+          <a:bodyPr rtlCol="0" anchor="ctr"/>
+          <a:lstStyle/>
+          <a:p>
+            <a:pPr algn="ctr"/>
+            <a:r>
+              <a:rPr lang="en-US" dirty="0" smtClean="0"/>
+              <a:t>Java</a:t>
+            </a:r>
+            <a:endParaRPr lang="en-US" dirty="0"/>
+          </a:p>
+        </p:txBody>
+      </p:sp>
+      <p:pic>
+        <p:nvPicPr>
+          <p:cNvPr id="2050" name="Picture 2" descr="https://upload.wikimedia.org/wikipedia/commons/thumb/f/f7/Linecons_small-cloud.svg/200px-Linecons_small-cloud.svg.png"/>
+          <p:cNvPicPr>
+            <a:picLocks noChangeAspect="1" noChangeArrowheads="1"/>
+          </p:cNvPicPr>
+          <p:nvPr/>
+        </p:nvPicPr>
+        <p:blipFill>
+          <a:blip r:embed="rId4">
+            <a:extLst>
+              <a:ext uri="{28A0092B-C50C-407E-A947-70E740481C1C}">
+                <a14:useLocalDpi xmlns:a14="http://schemas.microsoft.com/office/drawing/2010/main" val="0"/>
+              </a:ext>
+            </a:extLst>
+          </a:blip>
+          <a:srcRect/>
+          <a:stretch>
+            <a:fillRect/>
+          </a:stretch>
+        </p:blipFill>
+        <p:spPr bwMode="auto">
+          <a:xfrm rot="274242">
+            <a:off x="2587893" y="1939003"/>
+            <a:ext cx="927708" cy="927708"/>
+          </a:xfrm>
+          <a:prstGeom prst="rect">
+            <a:avLst/>
+          </a:prstGeom>
+          <a:noFill/>
+          <a:extLst>
+            <a:ext uri="{909E8E84-426E-40DD-AFC4-6F175D3DCCD1}">
+              <a14:hiddenFill xmlns:a14="http://schemas.microsoft.com/office/drawing/2010/main">
+                <a:solidFill>
+                  <a:srgbClr val="FFFFFF"/>
+                </a:solidFill>
+              </a14:hiddenFill>
+            </a:ext>
+          </a:extLst>
+        </p:spPr>
+      </p:pic>
+      <p:sp>
+        <p:nvSpPr>
+          <p:cNvPr id="48" name="TextBox 47"/>
+          <p:cNvSpPr txBox="1"/>
+          <p:nvPr/>
+        </p:nvSpPr>
+        <p:spPr>
+          <a:xfrm>
+            <a:off x="1510901" y="569947"/>
+            <a:ext cx="7237046" cy="1015663"/>
+          </a:xfrm>
+          <a:prstGeom prst="rect">
+            <a:avLst/>
+          </a:prstGeom>
+          <a:noFill/>
+        </p:spPr>
+        <p:txBody>
+          <a:bodyPr wrap="none" rtlCol="0">
+            <a:spAutoFit/>
+          </a:bodyPr>
+          <a:lstStyle/>
+          <a:p>
+            <a:r>
+              <a:rPr lang="en-US" sz="6000" dirty="0" smtClean="0"/>
+              <a:t>Model View Controller</a:t>
+            </a:r>
+          </a:p>
+        </p:txBody>
+      </p:sp>
+      <p:sp>
+        <p:nvSpPr>
+          <p:cNvPr id="49" name="TextBox 48"/>
+          <p:cNvSpPr txBox="1"/>
+          <p:nvPr/>
+        </p:nvSpPr>
+        <p:spPr>
+          <a:xfrm>
+            <a:off x="929338" y="2079691"/>
+            <a:ext cx="1205345" cy="646331"/>
+          </a:xfrm>
+          <a:prstGeom prst="rect">
+            <a:avLst/>
+          </a:prstGeom>
+          <a:noFill/>
+        </p:spPr>
+        <p:txBody>
+          <a:bodyPr wrap="square" rtlCol="0">
+            <a:spAutoFit/>
+          </a:bodyPr>
+          <a:lstStyle/>
+          <a:p>
+            <a:pPr algn="ctr"/>
+            <a:r>
+              <a:rPr lang="en-US" dirty="0" smtClean="0"/>
+              <a:t>Browser </a:t>
+            </a:r>
+          </a:p>
+          <a:p>
+            <a:pPr algn="ctr"/>
+            <a:r>
+              <a:rPr lang="en-US" dirty="0" smtClean="0"/>
+              <a:t>(view)</a:t>
+            </a:r>
+            <a:endParaRPr lang="en-US" dirty="0"/>
+          </a:p>
+        </p:txBody>
+      </p:sp>
+      <p:sp>
+        <p:nvSpPr>
+          <p:cNvPr id="50" name="TextBox 49"/>
+          <p:cNvSpPr txBox="1"/>
+          <p:nvPr/>
+        </p:nvSpPr>
+        <p:spPr>
+          <a:xfrm>
+            <a:off x="7815809" y="2911257"/>
+            <a:ext cx="1896434" cy="646331"/>
+          </a:xfrm>
+          <a:prstGeom prst="rect">
+            <a:avLst/>
+          </a:prstGeom>
+          <a:noFill/>
+        </p:spPr>
+        <p:txBody>
+          <a:bodyPr wrap="square" rtlCol="0">
+            <a:spAutoFit/>
+          </a:bodyPr>
+          <a:lstStyle/>
+          <a:p>
+            <a:pPr algn="ctr"/>
+            <a:r>
+              <a:rPr lang="en-US" dirty="0" smtClean="0"/>
+              <a:t>Oracle Database (Model)</a:t>
+            </a:r>
+            <a:endParaRPr lang="en-US" dirty="0"/>
+          </a:p>
+        </p:txBody>
+      </p:sp>
+      <p:sp>
+        <p:nvSpPr>
+          <p:cNvPr id="54" name="TextBox 53"/>
+          <p:cNvSpPr txBox="1"/>
+          <p:nvPr/>
+        </p:nvSpPr>
+        <p:spPr>
+          <a:xfrm>
+            <a:off x="6047666" y="2291329"/>
+            <a:ext cx="1312118" cy="369332"/>
+          </a:xfrm>
+          <a:prstGeom prst="rect">
+            <a:avLst/>
+          </a:prstGeom>
+          <a:noFill/>
+        </p:spPr>
+        <p:txBody>
+          <a:bodyPr wrap="square" rtlCol="0">
+            <a:spAutoFit/>
+          </a:bodyPr>
+          <a:lstStyle/>
+          <a:p>
+            <a:pPr algn="ctr"/>
+            <a:r>
+              <a:rPr lang="en-US" dirty="0" smtClean="0"/>
+              <a:t>Controller</a:t>
+            </a:r>
+            <a:endParaRPr lang="en-US" dirty="0"/>
+          </a:p>
+        </p:txBody>
+      </p:sp>
+      <p:sp>
+        <p:nvSpPr>
+          <p:cNvPr id="55" name="TextBox 54"/>
+          <p:cNvSpPr txBox="1"/>
+          <p:nvPr/>
+        </p:nvSpPr>
+        <p:spPr>
+          <a:xfrm>
+            <a:off x="6335787" y="1766540"/>
+            <a:ext cx="968354" cy="369332"/>
+          </a:xfrm>
+          <a:prstGeom prst="rect">
+            <a:avLst/>
+          </a:prstGeom>
+          <a:noFill/>
+        </p:spPr>
+        <p:txBody>
+          <a:bodyPr wrap="square" rtlCol="0">
+            <a:spAutoFit/>
+          </a:bodyPr>
+          <a:lstStyle/>
+          <a:p>
+            <a:r>
+              <a:rPr lang="en-US" dirty="0" smtClean="0"/>
+              <a:t>Servlet</a:t>
+            </a:r>
+            <a:endParaRPr lang="en-US" dirty="0"/>
+          </a:p>
+        </p:txBody>
+      </p:sp>
+      <p:sp>
+        <p:nvSpPr>
+          <p:cNvPr id="56" name="TextBox 55"/>
+          <p:cNvSpPr txBox="1"/>
+          <p:nvPr/>
+        </p:nvSpPr>
+        <p:spPr>
+          <a:xfrm>
+            <a:off x="3701369" y="1904773"/>
+            <a:ext cx="1606707" cy="923330"/>
+          </a:xfrm>
+          <a:prstGeom prst="rect">
+            <a:avLst/>
+          </a:prstGeom>
+          <a:noFill/>
+        </p:spPr>
+        <p:txBody>
+          <a:bodyPr wrap="square" rtlCol="0">
+            <a:spAutoFit/>
+          </a:bodyPr>
+          <a:lstStyle/>
+          <a:p>
+            <a:pPr algn="ctr"/>
+            <a:r>
+              <a:rPr lang="en-US" dirty="0" smtClean="0"/>
+              <a:t>Java Server Pages (JSP)</a:t>
+            </a:r>
+          </a:p>
+          <a:p>
+            <a:pPr algn="ctr"/>
+            <a:r>
+              <a:rPr lang="en-US" dirty="0" smtClean="0"/>
+              <a:t>(View</a:t>
+            </a:r>
+            <a:r>
+              <a:rPr lang="en-US" dirty="0" smtClean="0"/>
+              <a:t>)</a:t>
+            </a:r>
+            <a:endParaRPr lang="en-US" dirty="0"/>
+          </a:p>
+        </p:txBody>
+      </p:sp>
+      <p:cxnSp>
+        <p:nvCxnSpPr>
+          <p:cNvPr id="16" name="Straight Arrow Connector 15"/>
+          <p:cNvCxnSpPr/>
+          <p:nvPr/>
+        </p:nvCxnSpPr>
+        <p:spPr>
+          <a:xfrm>
+            <a:off x="2410106" y="2291329"/>
+            <a:ext cx="278010" cy="0"/>
+          </a:xfrm>
+          <a:prstGeom prst="straightConnector1">
+            <a:avLst/>
+          </a:prstGeom>
+          <a:ln>
+            <a:tailEnd type="arrow"/>
+          </a:ln>
+        </p:spPr>
+        <p:style>
+          <a:lnRef idx="1">
+            <a:schemeClr val="accent1"/>
+          </a:lnRef>
+          <a:fillRef idx="0">
+            <a:schemeClr val="accent1"/>
+          </a:fillRef>
+          <a:effectRef idx="0">
+            <a:schemeClr val="accent1"/>
+          </a:effectRef>
+          <a:fontRef idx="minor">
+            <a:schemeClr val="tx1"/>
+          </a:fontRef>
+        </p:style>
+      </p:cxnSp>
+      <p:cxnSp>
+        <p:nvCxnSpPr>
+          <p:cNvPr id="20" name="Straight Arrow Connector 19"/>
+          <p:cNvCxnSpPr/>
+          <p:nvPr/>
+        </p:nvCxnSpPr>
+        <p:spPr>
+          <a:xfrm flipV="1">
+            <a:off x="3349128" y="2221036"/>
+            <a:ext cx="352241" cy="70293"/>
+          </a:xfrm>
+          <a:prstGeom prst="straightConnector1">
+            <a:avLst/>
+          </a:prstGeom>
+          <a:ln>
+            <a:tailEnd type="arrow"/>
+          </a:ln>
+        </p:spPr>
+        <p:style>
+          <a:lnRef idx="1">
+            <a:schemeClr val="accent1"/>
+          </a:lnRef>
+          <a:fillRef idx="0">
+            <a:schemeClr val="accent1"/>
+          </a:fillRef>
+          <a:effectRef idx="0">
+            <a:schemeClr val="accent1"/>
+          </a:effectRef>
+          <a:fontRef idx="minor">
+            <a:schemeClr val="tx1"/>
+          </a:fontRef>
+        </p:style>
+      </p:cxnSp>
+      <p:cxnSp>
+        <p:nvCxnSpPr>
+          <p:cNvPr id="22" name="Straight Arrow Connector 21"/>
+          <p:cNvCxnSpPr>
+            <a:stCxn id="27" idx="3"/>
+            <a:endCxn id="17" idx="1"/>
+          </p:cNvCxnSpPr>
+          <p:nvPr/>
+        </p:nvCxnSpPr>
+        <p:spPr>
+          <a:xfrm flipV="1">
+            <a:off x="5321045" y="2374819"/>
+            <a:ext cx="605961" cy="3427"/>
+          </a:xfrm>
+          <a:prstGeom prst="straightConnector1">
+            <a:avLst/>
+          </a:prstGeom>
+          <a:ln>
+            <a:tailEnd type="arrow"/>
+          </a:ln>
+        </p:spPr>
+        <p:style>
+          <a:lnRef idx="1">
+            <a:schemeClr val="accent1"/>
+          </a:lnRef>
+          <a:fillRef idx="0">
+            <a:schemeClr val="accent1"/>
+          </a:fillRef>
+          <a:effectRef idx="0">
+            <a:schemeClr val="accent1"/>
+          </a:effectRef>
+          <a:fontRef idx="minor">
+            <a:schemeClr val="tx1"/>
+          </a:fontRef>
+        </p:style>
+      </p:cxnSp>
+      <p:cxnSp>
+        <p:nvCxnSpPr>
+          <p:cNvPr id="24" name="Straight Arrow Connector 23"/>
+          <p:cNvCxnSpPr>
+            <a:stCxn id="17" idx="3"/>
+            <a:endCxn id="1026" idx="1"/>
+          </p:cNvCxnSpPr>
+          <p:nvPr/>
+        </p:nvCxnSpPr>
+        <p:spPr>
+          <a:xfrm flipV="1">
+            <a:off x="7513659" y="2372570"/>
+            <a:ext cx="478042" cy="2249"/>
+          </a:xfrm>
+          <a:prstGeom prst="straightConnector1">
+            <a:avLst/>
+          </a:prstGeom>
+          <a:ln>
+            <a:tailEnd type="arrow"/>
+          </a:ln>
+        </p:spPr>
+        <p:style>
+          <a:lnRef idx="1">
+            <a:schemeClr val="accent1"/>
+          </a:lnRef>
+          <a:fillRef idx="0">
+            <a:schemeClr val="accent1"/>
+          </a:fillRef>
+          <a:effectRef idx="0">
+            <a:schemeClr val="accent1"/>
+          </a:effectRef>
+          <a:fontRef idx="minor">
+            <a:schemeClr val="tx1"/>
+          </a:fontRef>
+        </p:style>
+      </p:cxnSp>
+    </p:spTree>
+    <p:extLst>
+      <p:ext uri="{BB962C8B-B14F-4D97-AF65-F5344CB8AC3E}">
+        <p14:creationId xmlns:p14="http://schemas.microsoft.com/office/powerpoint/2010/main" val="2120531486"/>
+      </p:ext>
+    </p:extLst>
+  </p:cSld>
+  <p:clrMapOvr>
+    <a:masterClrMapping/>
+  </p:clrMapOvr>
+</p:sld>
+</file>
+
+<file path=ppt/slides/slide4.xml><?xml version="1.0" encoding="utf-8"?>
+<p:sld xmlns:a="http://schemas.openxmlformats.org/drawingml/2006/main" xmlns:r="http://schemas.openxmlformats.org/officeDocument/2006/relationships" xmlns:p="http://schemas.openxmlformats.org/presentationml/2006/main">
+  <p:cSld>
+    <p:spTree>
+      <p:nvGrpSpPr>
+        <p:cNvPr id="1" name=""/>
+        <p:cNvGrpSpPr/>
+        <p:nvPr/>
+      </p:nvGrpSpPr>
+      <p:grpSpPr>
+        <a:xfrm>
+          <a:off x="0" y="0"/>
+          <a:ext cx="0" cy="0"/>
+          <a:chOff x="0" y="0"/>
+          <a:chExt cx="0" cy="0"/>
+        </a:xfrm>
+      </p:grpSpPr>
+      <p:pic>
+        <p:nvPicPr>
+          <p:cNvPr id="2" name="Picture 1"/>
+          <p:cNvPicPr>
+            <a:picLocks noChangeAspect="1"/>
+          </p:cNvPicPr>
+          <p:nvPr/>
+        </p:nvPicPr>
+        <p:blipFill>
+          <a:blip r:embed="rId2" cstate="print">
+            <a:extLst>
+              <a:ext uri="{28A0092B-C50C-407E-A947-70E740481C1C}">
+                <a14:useLocalDpi xmlns:a14="http://schemas.microsoft.com/office/drawing/2010/main" val="0"/>
+              </a:ext>
+            </a:extLst>
+          </a:blip>
+          <a:stretch>
+            <a:fillRect/>
+          </a:stretch>
+        </p:blipFill>
+        <p:spPr>
+          <a:xfrm>
+            <a:off x="3473653" y="4098399"/>
+            <a:ext cx="1929058" cy="2466215"/>
+          </a:xfrm>
+          <a:prstGeom prst="rect">
+            <a:avLst/>
+          </a:prstGeom>
+        </p:spPr>
+      </p:pic>
+      <p:pic>
+        <p:nvPicPr>
+          <p:cNvPr id="1027" name="Picture 3"/>
+          <p:cNvPicPr>
+            <a:picLocks noChangeAspect="1" noChangeArrowheads="1"/>
+          </p:cNvPicPr>
+          <p:nvPr/>
+        </p:nvPicPr>
+        <p:blipFill>
+          <a:blip r:embed="rId3">
+            <a:extLst>
+              <a:ext uri="{28A0092B-C50C-407E-A947-70E740481C1C}">
+                <a14:useLocalDpi xmlns:a14="http://schemas.microsoft.com/office/drawing/2010/main" val="0"/>
+              </a:ext>
+            </a:extLst>
+          </a:blip>
+          <a:srcRect/>
+          <a:stretch>
+            <a:fillRect/>
+          </a:stretch>
+        </p:blipFill>
+        <p:spPr bwMode="auto">
+          <a:xfrm>
+            <a:off x="3473653" y="4417556"/>
+            <a:ext cx="1922770" cy="2147058"/>
+          </a:xfrm>
+          <a:prstGeom prst="rect">
+            <a:avLst/>
+          </a:prstGeom>
+          <a:noFill/>
+          <a:ln>
+            <a:noFill/>
+          </a:ln>
+          <a:effectLst/>
+          <a:extLst>
+            <a:ext uri="{909E8E84-426E-40DD-AFC4-6F175D3DCCD1}">
+              <a14:hiddenFill xmlns:a14="http://schemas.microsoft.com/office/drawing/2010/main">
+                <a:solidFill>
+                  <a:schemeClr val="accent1"/>
+                </a:solidFill>
+              </a14:hiddenFill>
+            </a:ext>
+            <a:ext uri="{91240B29-F687-4F45-9708-019B960494DF}">
+              <a14:hiddenLine xmlns:a14="http://schemas.microsoft.com/office/drawing/2010/main" w="9525">
+                <a:solidFill>
+                  <a:schemeClr val="tx1"/>
+                </a:solidFill>
+                <a:miter lim="800000"/>
+                <a:headEnd/>
+                <a:tailEnd/>
+              </a14:hiddenLine>
+            </a:ext>
+            <a:ext uri="{AF507438-7753-43E0-B8FC-AC1667EBCBE1}">
+              <a14:hiddenEffects xmlns:a14="http://schemas.microsoft.com/office/drawing/2010/main">
+                <a:effectLst>
+                  <a:outerShdw dist="35921" dir="2700000" algn="ctr" rotWithShape="0">
+                    <a:schemeClr val="bg2"/>
+                  </a:outerShdw>
+                </a:effectLst>
+              </a14:hiddenEffects>
+            </a:ext>
+          </a:extLst>
+        </p:spPr>
+      </p:pic>
+      <p:sp>
+        <p:nvSpPr>
+          <p:cNvPr id="9" name="Rectangle 8"/>
+          <p:cNvSpPr/>
+          <p:nvPr/>
+        </p:nvSpPr>
+        <p:spPr>
+          <a:xfrm>
+            <a:off x="4589418" y="1505644"/>
+            <a:ext cx="1614010" cy="967046"/>
+          </a:xfrm>
+          <a:prstGeom prst="rect">
+            <a:avLst/>
+          </a:prstGeom>
+          <a:solidFill>
+            <a:schemeClr val="bg1"/>
+          </a:solidFill>
+          <a:ln w="38100">
+            <a:solidFill>
+              <a:schemeClr val="tx1"/>
+            </a:solidFill>
+          </a:ln>
+        </p:spPr>
+        <p:style>
+          <a:lnRef idx="2">
+            <a:schemeClr val="accent1">
+              <a:shade val="50000"/>
+            </a:schemeClr>
+          </a:lnRef>
+          <a:fillRef idx="1">
+            <a:schemeClr val="accent1"/>
+          </a:fillRef>
+          <a:effectRef idx="0">
+            <a:schemeClr val="accent1"/>
+          </a:effectRef>
+          <a:fontRef idx="minor">
+            <a:schemeClr val="lt1"/>
+          </a:fontRef>
+        </p:style>
+        <p:txBody>
+          <a:bodyPr rtlCol="0" anchor="ctr"/>
+          <a:lstStyle/>
+          <a:p>
+            <a:pPr algn="ctr"/>
+            <a:r>
+              <a:rPr lang="en-US" dirty="0" smtClean="0"/>
+              <a:t>Data</a:t>
+            </a:r>
+          </a:p>
+          <a:p>
+            <a:pPr algn="ctr"/>
+            <a:endParaRPr lang="en-US" dirty="0"/>
+          </a:p>
+        </p:txBody>
+      </p:sp>
+      <p:pic>
+        <p:nvPicPr>
+          <p:cNvPr id="1026" name="Picture 2" descr="https://upload.wikimedia.org/wikipedia/commons/thumb/c/c4/Linecons_database.svg/200px-Linecons_database.svg.png"/>
+          <p:cNvPicPr>
+            <a:picLocks noChangeAspect="1" noChangeArrowheads="1"/>
+          </p:cNvPicPr>
+          <p:nvPr/>
+        </p:nvPicPr>
+        <p:blipFill>
+          <a:blip r:embed="rId4">
+            <a:extLst>
+              <a:ext uri="{28A0092B-C50C-407E-A947-70E740481C1C}">
+                <a14:useLocalDpi xmlns:a14="http://schemas.microsoft.com/office/drawing/2010/main" val="0"/>
+              </a:ext>
+            </a:extLst>
+          </a:blip>
+          <a:srcRect/>
+          <a:stretch>
+            <a:fillRect/>
+          </a:stretch>
+        </p:blipFill>
+        <p:spPr bwMode="auto">
+          <a:xfrm>
+            <a:off x="9614835" y="694115"/>
+            <a:ext cx="1418013" cy="1418013"/>
+          </a:xfrm>
+          <a:prstGeom prst="rect">
+            <a:avLst/>
+          </a:prstGeom>
+          <a:noFill/>
+          <a:extLst>
+            <a:ext uri="{909E8E84-426E-40DD-AFC4-6F175D3DCCD1}">
+              <a14:hiddenFill xmlns:a14="http://schemas.microsoft.com/office/drawing/2010/main">
+                <a:solidFill>
+                  <a:srgbClr val="FFFFFF"/>
+                </a:solidFill>
+              </a14:hiddenFill>
+            </a:ext>
+          </a:extLst>
         </p:spPr>
       </p:pic>
       <p:grpSp>
@@ -4780,58 +5469,6 @@
           </p:style>
         </p:cxnSp>
       </p:grpSp>
-      <p:sp>
-        <p:nvSpPr>
-          <p:cNvPr id="27" name="Rectangle 26"/>
-          <p:cNvSpPr/>
-          <p:nvPr/>
-        </p:nvSpPr>
-        <p:spPr>
-          <a:xfrm>
-            <a:off x="793835" y="3633924"/>
-            <a:ext cx="1632643" cy="999918"/>
-          </a:xfrm>
-          <a:prstGeom prst="rect">
-            <a:avLst/>
-          </a:prstGeom>
-          <a:solidFill>
-            <a:schemeClr val="bg1"/>
-          </a:solidFill>
-          <a:ln w="38100">
-            <a:solidFill>
-              <a:schemeClr val="tx1"/>
-            </a:solidFill>
-          </a:ln>
-        </p:spPr>
-        <p:style>
-          <a:lnRef idx="2">
-            <a:schemeClr val="accent1">
-              <a:shade val="50000"/>
-            </a:schemeClr>
-          </a:lnRef>
-          <a:fillRef idx="1">
-            <a:schemeClr val="accent1"/>
-          </a:fillRef>
-          <a:effectRef idx="0">
-            <a:schemeClr val="accent1"/>
-          </a:effectRef>
-          <a:fontRef idx="minor">
-            <a:schemeClr val="lt1"/>
-          </a:fontRef>
-        </p:style>
-        <p:txBody>
-          <a:bodyPr rtlCol="0" anchor="ctr"/>
-          <a:lstStyle/>
-          <a:p>
-            <a:pPr algn="ctr"/>
-            <a:r>
-              <a:rPr lang="en-US" dirty="0" smtClean="0"/>
-              <a:t>Java</a:t>
-            </a:r>
-            <a:endParaRPr lang="en-US" dirty="0"/>
-          </a:p>
-        </p:txBody>
-      </p:sp>
       <p:cxnSp>
         <p:nvCxnSpPr>
           <p:cNvPr id="28" name="Straight Arrow Connector 27"/>
@@ -5004,14 +5641,14 @@
       </p:sp>
       <p:sp>
         <p:nvSpPr>
-          <p:cNvPr id="49" name="TextBox 48"/>
+          <p:cNvPr id="50" name="TextBox 49"/>
           <p:cNvSpPr txBox="1"/>
           <p:nvPr/>
         </p:nvSpPr>
         <p:spPr>
           <a:xfrm>
-            <a:off x="779712" y="5509498"/>
-            <a:ext cx="1205345" cy="646331"/>
+            <a:off x="9375624" y="2174551"/>
+            <a:ext cx="2145816" cy="307777"/>
           </a:xfrm>
           <a:prstGeom prst="rect">
             <a:avLst/>
@@ -5026,30 +5663,23 @@
           <a:p>
             <a:pPr algn="ctr"/>
             <a:r>
-              <a:rPr lang="en-US" dirty="0" smtClean="0"/>
-              <a:t>Browser </a:t>
-            </a:r>
-          </a:p>
-          <a:p>
-            <a:pPr algn="ctr"/>
-            <a:r>
-              <a:rPr lang="en-US" dirty="0" smtClean="0"/>
-              <a:t>(view)</a:t>
-            </a:r>
-            <a:endParaRPr lang="en-US" dirty="0"/>
-          </a:p>
-        </p:txBody>
-      </p:sp>
-      <p:sp>
-        <p:nvSpPr>
-          <p:cNvPr id="50" name="TextBox 49"/>
+              <a:rPr lang="en-US" sz="1400" dirty="0" smtClean="0"/>
+              <a:t>Oracle Database (Model)</a:t>
+            </a:r>
+            <a:endParaRPr lang="en-US" sz="1400" dirty="0"/>
+          </a:p>
+        </p:txBody>
+      </p:sp>
+      <p:sp>
+        <p:nvSpPr>
+          <p:cNvPr id="51" name="TextBox 50"/>
           <p:cNvSpPr txBox="1"/>
           <p:nvPr/>
         </p:nvSpPr>
         <p:spPr>
           <a:xfrm>
-            <a:off x="9375624" y="2174551"/>
-            <a:ext cx="2145816" cy="307777"/>
+            <a:off x="6730777" y="2169228"/>
+            <a:ext cx="1856270" cy="307777"/>
           </a:xfrm>
           <a:prstGeom prst="rect">
             <a:avLst/>
@@ -5065,7 +5695,7 @@
             <a:pPr algn="ctr"/>
             <a:r>
               <a:rPr lang="en-US" sz="1400" dirty="0" smtClean="0"/>
-              <a:t>Oracle Database (Model)</a:t>
+              <a:t>Entity Classes (Model)</a:t>
             </a:r>
             <a:endParaRPr lang="en-US" sz="1400" dirty="0"/>
           </a:p>
@@ -5073,14 +5703,14 @@
       </p:sp>
       <p:sp>
         <p:nvSpPr>
-          <p:cNvPr id="51" name="TextBox 50"/>
+          <p:cNvPr id="53" name="TextBox 52"/>
           <p:cNvSpPr txBox="1"/>
           <p:nvPr/>
         </p:nvSpPr>
         <p:spPr>
           <a:xfrm>
-            <a:off x="6730777" y="2169228"/>
-            <a:ext cx="1856270" cy="307777"/>
+            <a:off x="4589418" y="1523655"/>
+            <a:ext cx="1626584" cy="923330"/>
           </a:xfrm>
           <a:prstGeom prst="rect">
             <a:avLst/>
@@ -5095,308 +5725,8 @@
           <a:p>
             <a:pPr algn="ctr"/>
             <a:r>
-              <a:rPr lang="en-US" sz="1400" dirty="0" smtClean="0"/>
-              <a:t>Entity Classes (Model)</a:t>
-            </a:r>
-            <a:endParaRPr lang="en-US" sz="1400" dirty="0"/>
-          </a:p>
-        </p:txBody>
-      </p:sp>
-      <p:sp>
-        <p:nvSpPr>
-          <p:cNvPr id="53" name="TextBox 52"/>
-          <p:cNvSpPr txBox="1"/>
-          <p:nvPr/>
-        </p:nvSpPr>
-        <p:spPr>
-          <a:xfrm>
-            <a:off x="4589418" y="1523655"/>
-            <a:ext cx="1626584" cy="923330"/>
-          </a:xfrm>
-          <a:prstGeom prst="rect">
-            <a:avLst/>
-          </a:prstGeom>
-          <a:noFill/>
-        </p:spPr>
-        <p:txBody>
-          <a:bodyPr wrap="square" rtlCol="0">
-            <a:spAutoFit/>
-          </a:bodyPr>
-          <a:lstStyle/>
-          <a:p>
-            <a:pPr algn="ctr"/>
-            <a:r>
               <a:rPr lang="en-US" dirty="0" smtClean="0"/>
               <a:t>Database Utility Classes (model)</a:t>
-            </a:r>
-            <a:endParaRPr lang="en-US" dirty="0"/>
-          </a:p>
-        </p:txBody>
-      </p:sp>
-      <p:grpSp>
-        <p:nvGrpSpPr>
-          <p:cNvPr id="3" name="Group 2"/>
-          <p:cNvGrpSpPr/>
-          <p:nvPr/>
-        </p:nvGrpSpPr>
-        <p:grpSpPr>
-          <a:xfrm>
-            <a:off x="2779613" y="3627998"/>
-            <a:ext cx="1632643" cy="1122219"/>
-            <a:chOff x="4563482" y="2582844"/>
-            <a:chExt cx="1632643" cy="1122219"/>
-          </a:xfrm>
-        </p:grpSpPr>
-        <p:grpSp>
-          <p:nvGrpSpPr>
-            <p:cNvPr id="11" name="Group 10"/>
-            <p:cNvGrpSpPr/>
-            <p:nvPr/>
-          </p:nvGrpSpPr>
-          <p:grpSpPr>
-            <a:xfrm>
-              <a:off x="4563482" y="2582844"/>
-              <a:ext cx="1632643" cy="1122219"/>
-              <a:chOff x="5580322" y="3164617"/>
-              <a:chExt cx="1180408" cy="748145"/>
-            </a:xfrm>
-          </p:grpSpPr>
-          <p:sp>
-            <p:nvSpPr>
-              <p:cNvPr id="17" name="Rectangle 16"/>
-              <p:cNvSpPr/>
-              <p:nvPr/>
-            </p:nvSpPr>
-            <p:spPr>
-              <a:xfrm>
-                <a:off x="5580322" y="3164617"/>
-                <a:ext cx="1147157" cy="748145"/>
-              </a:xfrm>
-              <a:prstGeom prst="rect">
-                <a:avLst/>
-              </a:prstGeom>
-              <a:solidFill>
-                <a:schemeClr val="bg1"/>
-              </a:solidFill>
-              <a:ln w="38100">
-                <a:solidFill>
-                  <a:schemeClr val="tx1"/>
-                </a:solidFill>
-              </a:ln>
-            </p:spPr>
-            <p:style>
-              <a:lnRef idx="2">
-                <a:schemeClr val="accent1">
-                  <a:shade val="50000"/>
-                </a:schemeClr>
-              </a:lnRef>
-              <a:fillRef idx="1">
-                <a:schemeClr val="accent1"/>
-              </a:fillRef>
-              <a:effectRef idx="0">
-                <a:schemeClr val="accent1"/>
-              </a:effectRef>
-              <a:fontRef idx="minor">
-                <a:schemeClr val="lt1"/>
-              </a:fontRef>
-            </p:style>
-            <p:txBody>
-              <a:bodyPr rtlCol="0" anchor="ctr"/>
-              <a:lstStyle/>
-              <a:p>
-                <a:pPr algn="ctr"/>
-                <a:endParaRPr lang="en-US" dirty="0"/>
-              </a:p>
-            </p:txBody>
-          </p:sp>
-          <p:cxnSp>
-            <p:nvCxnSpPr>
-              <p:cNvPr id="18" name="Straight Connector 17"/>
-              <p:cNvCxnSpPr/>
-              <p:nvPr/>
-            </p:nvCxnSpPr>
-            <p:spPr>
-              <a:xfrm>
-                <a:off x="5580322" y="3435927"/>
-                <a:ext cx="1180408" cy="0"/>
-              </a:xfrm>
-              <a:prstGeom prst="line">
-                <a:avLst/>
-              </a:prstGeom>
-              <a:solidFill>
-                <a:schemeClr val="bg1"/>
-              </a:solidFill>
-              <a:ln w="38100">
-                <a:solidFill>
-                  <a:schemeClr val="tx1"/>
-                </a:solidFill>
-              </a:ln>
-            </p:spPr>
-            <p:style>
-              <a:lnRef idx="2">
-                <a:schemeClr val="accent1">
-                  <a:shade val="50000"/>
-                </a:schemeClr>
-              </a:lnRef>
-              <a:fillRef idx="1">
-                <a:schemeClr val="accent1"/>
-              </a:fillRef>
-              <a:effectRef idx="0">
-                <a:schemeClr val="accent1"/>
-              </a:effectRef>
-              <a:fontRef idx="minor">
-                <a:schemeClr val="lt1"/>
-              </a:fontRef>
-            </p:style>
-          </p:cxnSp>
-        </p:grpSp>
-        <p:sp>
-          <p:nvSpPr>
-            <p:cNvPr id="54" name="TextBox 53"/>
-            <p:cNvSpPr txBox="1"/>
-            <p:nvPr/>
-          </p:nvSpPr>
-          <p:spPr>
-            <a:xfrm>
-              <a:off x="4680908" y="3175697"/>
-              <a:ext cx="1312118" cy="369332"/>
-            </a:xfrm>
-            <a:prstGeom prst="rect">
-              <a:avLst/>
-            </a:prstGeom>
-            <a:noFill/>
-          </p:spPr>
-          <p:txBody>
-            <a:bodyPr wrap="square" rtlCol="0">
-              <a:spAutoFit/>
-            </a:bodyPr>
-            <a:lstStyle/>
-            <a:p>
-              <a:pPr algn="ctr"/>
-              <a:r>
-                <a:rPr lang="en-US" dirty="0" smtClean="0"/>
-                <a:t>Controller</a:t>
-              </a:r>
-              <a:endParaRPr lang="en-US" dirty="0"/>
-            </a:p>
-          </p:txBody>
-        </p:sp>
-        <p:sp>
-          <p:nvSpPr>
-            <p:cNvPr id="55" name="TextBox 54"/>
-            <p:cNvSpPr txBox="1"/>
-            <p:nvPr/>
-          </p:nvSpPr>
-          <p:spPr>
-            <a:xfrm>
-              <a:off x="4940752" y="2668882"/>
-              <a:ext cx="968354" cy="369332"/>
-            </a:xfrm>
-            <a:prstGeom prst="rect">
-              <a:avLst/>
-            </a:prstGeom>
-            <a:noFill/>
-          </p:spPr>
-          <p:txBody>
-            <a:bodyPr wrap="square" rtlCol="0">
-              <a:spAutoFit/>
-            </a:bodyPr>
-            <a:lstStyle/>
-            <a:p>
-              <a:r>
-                <a:rPr lang="en-US" dirty="0" smtClean="0"/>
-                <a:t>Servlet</a:t>
-              </a:r>
-              <a:endParaRPr lang="en-US" dirty="0"/>
-            </a:p>
-          </p:txBody>
-        </p:sp>
-      </p:grpSp>
-      <p:sp>
-        <p:nvSpPr>
-          <p:cNvPr id="56" name="TextBox 55"/>
-          <p:cNvSpPr txBox="1"/>
-          <p:nvPr/>
-        </p:nvSpPr>
-        <p:spPr>
-          <a:xfrm>
-            <a:off x="757729" y="3633924"/>
-            <a:ext cx="1606707" cy="923330"/>
-          </a:xfrm>
-          <a:prstGeom prst="rect">
-            <a:avLst/>
-          </a:prstGeom>
-          <a:noFill/>
-        </p:spPr>
-        <p:txBody>
-          <a:bodyPr wrap="square" rtlCol="0">
-            <a:spAutoFit/>
-          </a:bodyPr>
-          <a:lstStyle/>
-          <a:p>
-            <a:pPr algn="ctr"/>
-            <a:r>
-              <a:rPr lang="en-US" dirty="0" smtClean="0"/>
-              <a:t>Java Server Pages (JSP)</a:t>
-            </a:r>
-          </a:p>
-          <a:p>
-            <a:pPr algn="ctr"/>
-            <a:r>
-              <a:rPr lang="en-US" dirty="0" smtClean="0"/>
-              <a:t>(view)</a:t>
-            </a:r>
-            <a:endParaRPr lang="en-US" dirty="0"/>
-          </a:p>
-        </p:txBody>
-      </p:sp>
-      <p:sp>
-        <p:nvSpPr>
-          <p:cNvPr id="36" name="Rectangle 35"/>
-          <p:cNvSpPr/>
-          <p:nvPr/>
-        </p:nvSpPr>
-        <p:spPr>
-          <a:xfrm>
-            <a:off x="4667422" y="3636306"/>
-            <a:ext cx="1632643" cy="999918"/>
-          </a:xfrm>
-          <a:prstGeom prst="rect">
-            <a:avLst/>
-          </a:prstGeom>
-          <a:solidFill>
-            <a:schemeClr val="bg1"/>
-          </a:solidFill>
-          <a:ln w="38100">
-            <a:solidFill>
-              <a:schemeClr val="tx1"/>
-            </a:solidFill>
-          </a:ln>
-        </p:spPr>
-        <p:style>
-          <a:lnRef idx="2">
-            <a:schemeClr val="accent1">
-              <a:shade val="50000"/>
-            </a:schemeClr>
-          </a:lnRef>
-          <a:fillRef idx="1">
-            <a:schemeClr val="accent1"/>
-          </a:fillRef>
-          <a:effectRef idx="0">
-            <a:schemeClr val="accent1"/>
-          </a:effectRef>
-          <a:fontRef idx="minor">
-            <a:schemeClr val="lt1"/>
-          </a:fontRef>
-        </p:style>
-        <p:txBody>
-          <a:bodyPr rtlCol="0" anchor="ctr"/>
-          <a:lstStyle/>
-          <a:p>
-            <a:pPr algn="ctr"/>
-            <a:r>
-              <a:rPr lang="en-US" dirty="0" smtClean="0"/>
-              <a:t>Java</a:t>
             </a:r>
             <a:endParaRPr lang="en-US" dirty="0"/>
           </a:p>
@@ -5410,10 +5740,10 @@
         </p:nvGrpSpPr>
         <p:grpSpPr>
           <a:xfrm>
-            <a:off x="6518013" y="2975084"/>
-            <a:ext cx="1632643" cy="1122219"/>
-            <a:chOff x="4563482" y="2582844"/>
-            <a:chExt cx="1632643" cy="1122219"/>
+            <a:off x="6090132" y="3833271"/>
+            <a:ext cx="1976573" cy="2225156"/>
+            <a:chOff x="4563482" y="2636309"/>
+            <a:chExt cx="1586653" cy="1068755"/>
           </a:xfrm>
         </p:grpSpPr>
         <p:grpSp>
@@ -5424,10 +5754,10 @@
           </p:nvGrpSpPr>
           <p:grpSpPr>
             <a:xfrm>
-              <a:off x="4563482" y="2582844"/>
-              <a:ext cx="1632643" cy="1122219"/>
-              <a:chOff x="5580322" y="3164617"/>
-              <a:chExt cx="1180408" cy="748145"/>
+              <a:off x="4563482" y="2673520"/>
+              <a:ext cx="1586653" cy="1031544"/>
+              <a:chOff x="5580322" y="3225067"/>
+              <a:chExt cx="1147157" cy="687695"/>
             </a:xfrm>
           </p:grpSpPr>
           <p:sp>
@@ -5438,8 +5768,8 @@
             </p:nvSpPr>
             <p:spPr>
               <a:xfrm>
-                <a:off x="5580322" y="3164617"/>
-                <a:ext cx="1147157" cy="748145"/>
+                <a:off x="5580322" y="3225067"/>
+                <a:ext cx="1147157" cy="687695"/>
               </a:xfrm>
               <a:prstGeom prst="rect">
                 <a:avLst/>
@@ -5486,8 +5816,8 @@
             </p:nvCxnSpPr>
             <p:spPr>
               <a:xfrm>
-                <a:off x="5580322" y="3435927"/>
-                <a:ext cx="1180408" cy="0"/>
+                <a:off x="5633977" y="3342451"/>
+                <a:ext cx="1073098" cy="0"/>
               </a:xfrm>
               <a:prstGeom prst="line">
                 <a:avLst/>
@@ -5558,8 +5888,8 @@
           </p:nvSpPr>
           <p:spPr>
             <a:xfrm>
-              <a:off x="4940752" y="2668882"/>
-              <a:ext cx="968354" cy="369332"/>
+              <a:off x="4638094" y="2636309"/>
+              <a:ext cx="839574" cy="177392"/>
             </a:xfrm>
             <a:prstGeom prst="rect">
               <a:avLst/>
@@ -5583,51 +5913,13 @@
       </p:grpSp>
       <p:sp>
         <p:nvSpPr>
-          <p:cNvPr id="45" name="TextBox 44"/>
-          <p:cNvSpPr txBox="1"/>
-          <p:nvPr/>
-        </p:nvSpPr>
-        <p:spPr>
-          <a:xfrm>
-            <a:off x="4703580" y="3755539"/>
-            <a:ext cx="1619071" cy="923330"/>
-          </a:xfrm>
-          <a:prstGeom prst="rect">
-            <a:avLst/>
-          </a:prstGeom>
-          <a:noFill/>
-        </p:spPr>
-        <p:txBody>
-          <a:bodyPr wrap="square" rtlCol="0">
-            <a:spAutoFit/>
-          </a:bodyPr>
-          <a:lstStyle/>
-          <a:p>
-            <a:pPr algn="ctr"/>
-            <a:r>
-              <a:rPr lang="en-US" dirty="0" smtClean="0"/>
-              <a:t>Java Server Pages (JSP)</a:t>
-            </a:r>
-          </a:p>
-          <a:p>
-            <a:pPr algn="ctr"/>
-            <a:r>
-              <a:rPr lang="en-US" dirty="0" smtClean="0"/>
-              <a:t>(view)</a:t>
-            </a:r>
-            <a:endParaRPr lang="en-US" dirty="0"/>
-          </a:p>
-        </p:txBody>
-      </p:sp>
-      <p:sp>
-        <p:nvSpPr>
           <p:cNvPr id="46" name="Rectangle 45"/>
           <p:cNvSpPr/>
           <p:nvPr/>
         </p:nvSpPr>
         <p:spPr>
           <a:xfrm>
-            <a:off x="8337004" y="3189190"/>
+            <a:off x="8337004" y="3563768"/>
             <a:ext cx="1632643" cy="999918"/>
           </a:xfrm>
           <a:prstGeom prst="rect">
@@ -5858,7 +6150,7 @@
         </p:nvSpPr>
         <p:spPr>
           <a:xfrm>
-            <a:off x="6855327" y="4001518"/>
+            <a:off x="8349971" y="3573299"/>
             <a:ext cx="1606707" cy="923330"/>
           </a:xfrm>
           <a:prstGeom prst="rect">
@@ -5928,10 +6220,1589 @@
           </a:p>
         </p:txBody>
       </p:sp>
+      <p:pic>
+        <p:nvPicPr>
+          <p:cNvPr id="6" name="Picture 2"/>
+          <p:cNvPicPr>
+            <a:picLocks noChangeAspect="1" noChangeArrowheads="1"/>
+          </p:cNvPicPr>
+          <p:nvPr/>
+        </p:nvPicPr>
+        <p:blipFill>
+          <a:blip r:embed="rId5">
+            <a:extLst>
+              <a:ext uri="{28A0092B-C50C-407E-A947-70E740481C1C}">
+                <a14:useLocalDpi xmlns:a14="http://schemas.microsoft.com/office/drawing/2010/main" val="0"/>
+              </a:ext>
+            </a:extLst>
+          </a:blip>
+          <a:srcRect/>
+          <a:stretch>
+            <a:fillRect/>
+          </a:stretch>
+        </p:blipFill>
+        <p:spPr bwMode="auto">
+          <a:xfrm>
+            <a:off x="6103732" y="4305099"/>
+            <a:ext cx="1953764" cy="1775358"/>
+          </a:xfrm>
+          <a:prstGeom prst="rect">
+            <a:avLst/>
+          </a:prstGeom>
+          <a:noFill/>
+          <a:ln>
+            <a:noFill/>
+          </a:ln>
+          <a:effectLst/>
+          <a:extLst>
+            <a:ext uri="{909E8E84-426E-40DD-AFC4-6F175D3DCCD1}">
+              <a14:hiddenFill xmlns:a14="http://schemas.microsoft.com/office/drawing/2010/main">
+                <a:solidFill>
+                  <a:schemeClr val="accent1"/>
+                </a:solidFill>
+              </a14:hiddenFill>
+            </a:ext>
+            <a:ext uri="{91240B29-F687-4F45-9708-019B960494DF}">
+              <a14:hiddenLine xmlns:a14="http://schemas.microsoft.com/office/drawing/2010/main" w="9525">
+                <a:solidFill>
+                  <a:schemeClr val="tx1"/>
+                </a:solidFill>
+                <a:miter lim="800000"/>
+                <a:headEnd/>
+                <a:tailEnd/>
+              </a14:hiddenLine>
+            </a:ext>
+            <a:ext uri="{AF507438-7753-43E0-B8FC-AC1667EBCBE1}">
+              <a14:hiddenEffects xmlns:a14="http://schemas.microsoft.com/office/drawing/2010/main">
+                <a:effectLst>
+                  <a:outerShdw dist="35921" dir="2700000" algn="ctr" rotWithShape="0">
+                    <a:schemeClr val="bg2"/>
+                  </a:outerShdw>
+                </a:effectLst>
+              </a14:hiddenEffects>
+            </a:ext>
+          </a:extLst>
+        </p:spPr>
+      </p:pic>
     </p:spTree>
     <p:extLst>
       <p:ext uri="{BB962C8B-B14F-4D97-AF65-F5344CB8AC3E}">
         <p14:creationId xmlns:p14="http://schemas.microsoft.com/office/powerpoint/2010/main" val="3915078438"/>
+      </p:ext>
+    </p:extLst>
+  </p:cSld>
+  <p:clrMapOvr>
+    <a:masterClrMapping/>
+  </p:clrMapOvr>
+</p:sld>
+</file>
+
+<file path=ppt/slides/slide5.xml><?xml version="1.0" encoding="utf-8"?>
+<p:sld xmlns:a="http://schemas.openxmlformats.org/drawingml/2006/main" xmlns:r="http://schemas.openxmlformats.org/officeDocument/2006/relationships" xmlns:p="http://schemas.openxmlformats.org/presentationml/2006/main">
+  <p:cSld>
+    <p:spTree>
+      <p:nvGrpSpPr>
+        <p:cNvPr id="1" name=""/>
+        <p:cNvGrpSpPr/>
+        <p:nvPr/>
+      </p:nvGrpSpPr>
+      <p:grpSpPr>
+        <a:xfrm>
+          <a:off x="0" y="0"/>
+          <a:ext cx="0" cy="0"/>
+          <a:chOff x="0" y="0"/>
+          <a:chExt cx="0" cy="0"/>
+        </a:xfrm>
+      </p:grpSpPr>
+      <p:grpSp>
+        <p:nvGrpSpPr>
+          <p:cNvPr id="3" name="Group 2"/>
+          <p:cNvGrpSpPr/>
+          <p:nvPr/>
+        </p:nvGrpSpPr>
+        <p:grpSpPr>
+          <a:xfrm>
+            <a:off x="1091846" y="3259018"/>
+            <a:ext cx="1929058" cy="2466215"/>
+            <a:chOff x="1091846" y="3259018"/>
+            <a:chExt cx="1929058" cy="2466215"/>
+          </a:xfrm>
+        </p:grpSpPr>
+        <p:pic>
+          <p:nvPicPr>
+            <p:cNvPr id="2" name="Picture 1"/>
+            <p:cNvPicPr>
+              <a:picLocks noChangeAspect="1"/>
+            </p:cNvPicPr>
+            <p:nvPr/>
+          </p:nvPicPr>
+          <p:blipFill>
+            <a:blip r:embed="rId2" cstate="print">
+              <a:extLst>
+                <a:ext uri="{28A0092B-C50C-407E-A947-70E740481C1C}">
+                  <a14:useLocalDpi xmlns:a14="http://schemas.microsoft.com/office/drawing/2010/main" val="0"/>
+                </a:ext>
+              </a:extLst>
+            </a:blip>
+            <a:stretch>
+              <a:fillRect/>
+            </a:stretch>
+          </p:blipFill>
+          <p:spPr>
+            <a:xfrm>
+              <a:off x="1091846" y="3259018"/>
+              <a:ext cx="1929058" cy="2466215"/>
+            </a:xfrm>
+            <a:prstGeom prst="rect">
+              <a:avLst/>
+            </a:prstGeom>
+          </p:spPr>
+        </p:pic>
+        <p:pic>
+          <p:nvPicPr>
+            <p:cNvPr id="1027" name="Picture 3"/>
+            <p:cNvPicPr>
+              <a:picLocks noChangeAspect="1" noChangeArrowheads="1"/>
+            </p:cNvPicPr>
+            <p:nvPr/>
+          </p:nvPicPr>
+          <p:blipFill>
+            <a:blip r:embed="rId3">
+              <a:extLst>
+                <a:ext uri="{28A0092B-C50C-407E-A947-70E740481C1C}">
+                  <a14:useLocalDpi xmlns:a14="http://schemas.microsoft.com/office/drawing/2010/main" val="0"/>
+                </a:ext>
+              </a:extLst>
+            </a:blip>
+            <a:srcRect/>
+            <a:stretch>
+              <a:fillRect/>
+            </a:stretch>
+          </p:blipFill>
+          <p:spPr bwMode="auto">
+            <a:xfrm>
+              <a:off x="1091846" y="3578175"/>
+              <a:ext cx="1922770" cy="2147058"/>
+            </a:xfrm>
+            <a:prstGeom prst="rect">
+              <a:avLst/>
+            </a:prstGeom>
+            <a:noFill/>
+            <a:ln>
+              <a:noFill/>
+            </a:ln>
+            <a:effectLst/>
+            <a:extLst>
+              <a:ext uri="{909E8E84-426E-40DD-AFC4-6F175D3DCCD1}">
+                <a14:hiddenFill xmlns:a14="http://schemas.microsoft.com/office/drawing/2010/main">
+                  <a:solidFill>
+                    <a:schemeClr val="accent1"/>
+                  </a:solidFill>
+                </a14:hiddenFill>
+              </a:ext>
+              <a:ext uri="{91240B29-F687-4F45-9708-019B960494DF}">
+                <a14:hiddenLine xmlns:a14="http://schemas.microsoft.com/office/drawing/2010/main" w="9525">
+                  <a:solidFill>
+                    <a:schemeClr val="tx1"/>
+                  </a:solidFill>
+                  <a:miter lim="800000"/>
+                  <a:headEnd/>
+                  <a:tailEnd/>
+                </a14:hiddenLine>
+              </a:ext>
+              <a:ext uri="{AF507438-7753-43E0-B8FC-AC1667EBCBE1}">
+                <a14:hiddenEffects xmlns:a14="http://schemas.microsoft.com/office/drawing/2010/main">
+                  <a:effectLst>
+                    <a:outerShdw dist="35921" dir="2700000" algn="ctr" rotWithShape="0">
+                      <a:schemeClr val="bg2"/>
+                    </a:outerShdw>
+                  </a:effectLst>
+                </a14:hiddenEffects>
+              </a:ext>
+            </a:extLst>
+          </p:spPr>
+        </p:pic>
+      </p:grpSp>
+      <p:sp>
+        <p:nvSpPr>
+          <p:cNvPr id="9" name="Rectangle 8"/>
+          <p:cNvSpPr/>
+          <p:nvPr/>
+        </p:nvSpPr>
+        <p:spPr>
+          <a:xfrm>
+            <a:off x="4589418" y="1505644"/>
+            <a:ext cx="1614010" cy="967046"/>
+          </a:xfrm>
+          <a:prstGeom prst="rect">
+            <a:avLst/>
+          </a:prstGeom>
+          <a:solidFill>
+            <a:schemeClr val="bg1"/>
+          </a:solidFill>
+          <a:ln w="38100">
+            <a:solidFill>
+              <a:schemeClr val="tx1"/>
+            </a:solidFill>
+          </a:ln>
+        </p:spPr>
+        <p:style>
+          <a:lnRef idx="2">
+            <a:schemeClr val="accent1">
+              <a:shade val="50000"/>
+            </a:schemeClr>
+          </a:lnRef>
+          <a:fillRef idx="1">
+            <a:schemeClr val="accent1"/>
+          </a:fillRef>
+          <a:effectRef idx="0">
+            <a:schemeClr val="accent1"/>
+          </a:effectRef>
+          <a:fontRef idx="minor">
+            <a:schemeClr val="lt1"/>
+          </a:fontRef>
+        </p:style>
+        <p:txBody>
+          <a:bodyPr rtlCol="0" anchor="ctr"/>
+          <a:lstStyle/>
+          <a:p>
+            <a:pPr algn="ctr"/>
+            <a:r>
+              <a:rPr lang="en-US" dirty="0" smtClean="0"/>
+              <a:t>Data</a:t>
+            </a:r>
+          </a:p>
+          <a:p>
+            <a:pPr algn="ctr"/>
+            <a:endParaRPr lang="en-US" dirty="0"/>
+          </a:p>
+        </p:txBody>
+      </p:sp>
+      <p:pic>
+        <p:nvPicPr>
+          <p:cNvPr id="1026" name="Picture 2" descr="https://upload.wikimedia.org/wikipedia/commons/thumb/c/c4/Linecons_database.svg/200px-Linecons_database.svg.png"/>
+          <p:cNvPicPr>
+            <a:picLocks noChangeAspect="1" noChangeArrowheads="1"/>
+          </p:cNvPicPr>
+          <p:nvPr/>
+        </p:nvPicPr>
+        <p:blipFill>
+          <a:blip r:embed="rId4">
+            <a:extLst>
+              <a:ext uri="{28A0092B-C50C-407E-A947-70E740481C1C}">
+                <a14:useLocalDpi xmlns:a14="http://schemas.microsoft.com/office/drawing/2010/main" val="0"/>
+              </a:ext>
+            </a:extLst>
+          </a:blip>
+          <a:srcRect/>
+          <a:stretch>
+            <a:fillRect/>
+          </a:stretch>
+        </p:blipFill>
+        <p:spPr bwMode="auto">
+          <a:xfrm>
+            <a:off x="9614835" y="694115"/>
+            <a:ext cx="1418013" cy="1418013"/>
+          </a:xfrm>
+          <a:prstGeom prst="rect">
+            <a:avLst/>
+          </a:prstGeom>
+          <a:noFill/>
+          <a:extLst>
+            <a:ext uri="{909E8E84-426E-40DD-AFC4-6F175D3DCCD1}">
+              <a14:hiddenFill xmlns:a14="http://schemas.microsoft.com/office/drawing/2010/main">
+                <a:solidFill>
+                  <a:srgbClr val="FFFFFF"/>
+                </a:solidFill>
+              </a14:hiddenFill>
+            </a:ext>
+          </a:extLst>
+        </p:spPr>
+      </p:pic>
+      <p:grpSp>
+        <p:nvGrpSpPr>
+          <p:cNvPr id="10" name="Group 9"/>
+          <p:cNvGrpSpPr/>
+          <p:nvPr/>
+        </p:nvGrpSpPr>
+        <p:grpSpPr>
+          <a:xfrm>
+            <a:off x="6943589" y="1386389"/>
+            <a:ext cx="1180408" cy="748145"/>
+            <a:chOff x="2809700" y="1917469"/>
+            <a:chExt cx="1180408" cy="748145"/>
+          </a:xfrm>
+        </p:grpSpPr>
+        <p:sp>
+          <p:nvSpPr>
+            <p:cNvPr id="4" name="Rectangle 3"/>
+            <p:cNvSpPr/>
+            <p:nvPr/>
+          </p:nvSpPr>
+          <p:spPr>
+            <a:xfrm>
+              <a:off x="2818014" y="1917469"/>
+              <a:ext cx="1147157" cy="748145"/>
+            </a:xfrm>
+            <a:prstGeom prst="rect">
+              <a:avLst/>
+            </a:prstGeom>
+            <a:solidFill>
+              <a:schemeClr val="bg1"/>
+            </a:solidFill>
+            <a:ln w="38100">
+              <a:solidFill>
+                <a:schemeClr val="tx1"/>
+              </a:solidFill>
+            </a:ln>
+          </p:spPr>
+          <p:style>
+            <a:lnRef idx="2">
+              <a:schemeClr val="accent1">
+                <a:shade val="50000"/>
+              </a:schemeClr>
+            </a:lnRef>
+            <a:fillRef idx="1">
+              <a:schemeClr val="accent1"/>
+            </a:fillRef>
+            <a:effectRef idx="0">
+              <a:schemeClr val="accent1"/>
+            </a:effectRef>
+            <a:fontRef idx="minor">
+              <a:schemeClr val="lt1"/>
+            </a:fontRef>
+          </p:style>
+          <p:txBody>
+            <a:bodyPr rtlCol="0" anchor="ctr"/>
+            <a:lstStyle/>
+            <a:p>
+              <a:pPr algn="ctr"/>
+              <a:endParaRPr lang="en-US"/>
+            </a:p>
+          </p:txBody>
+        </p:sp>
+        <p:cxnSp>
+          <p:nvCxnSpPr>
+            <p:cNvPr id="5" name="Straight Connector 4"/>
+            <p:cNvCxnSpPr/>
+            <p:nvPr/>
+          </p:nvCxnSpPr>
+          <p:spPr>
+            <a:xfrm>
+              <a:off x="2809700" y="2103120"/>
+              <a:ext cx="1180408" cy="0"/>
+            </a:xfrm>
+            <a:prstGeom prst="line">
+              <a:avLst/>
+            </a:prstGeom>
+            <a:solidFill>
+              <a:schemeClr val="bg1"/>
+            </a:solidFill>
+            <a:ln w="38100">
+              <a:solidFill>
+                <a:schemeClr val="tx1"/>
+              </a:solidFill>
+            </a:ln>
+          </p:spPr>
+          <p:style>
+            <a:lnRef idx="2">
+              <a:schemeClr val="accent1">
+                <a:shade val="50000"/>
+              </a:schemeClr>
+            </a:lnRef>
+            <a:fillRef idx="1">
+              <a:schemeClr val="accent1"/>
+            </a:fillRef>
+            <a:effectRef idx="0">
+              <a:schemeClr val="accent1"/>
+            </a:effectRef>
+            <a:fontRef idx="minor">
+              <a:schemeClr val="lt1"/>
+            </a:fontRef>
+          </p:style>
+        </p:cxnSp>
+        <p:cxnSp>
+          <p:nvCxnSpPr>
+            <p:cNvPr id="7" name="Straight Connector 6"/>
+            <p:cNvCxnSpPr/>
+            <p:nvPr/>
+          </p:nvCxnSpPr>
+          <p:spPr>
+            <a:xfrm>
+              <a:off x="2818013" y="2435629"/>
+              <a:ext cx="1147157" cy="0"/>
+            </a:xfrm>
+            <a:prstGeom prst="line">
+              <a:avLst/>
+            </a:prstGeom>
+            <a:solidFill>
+              <a:schemeClr val="bg1"/>
+            </a:solidFill>
+            <a:ln w="38100">
+              <a:solidFill>
+                <a:schemeClr val="tx1"/>
+              </a:solidFill>
+            </a:ln>
+          </p:spPr>
+          <p:style>
+            <a:lnRef idx="2">
+              <a:schemeClr val="accent1">
+                <a:shade val="50000"/>
+              </a:schemeClr>
+            </a:lnRef>
+            <a:fillRef idx="1">
+              <a:schemeClr val="accent1"/>
+            </a:fillRef>
+            <a:effectRef idx="0">
+              <a:schemeClr val="accent1"/>
+            </a:effectRef>
+            <a:fontRef idx="minor">
+              <a:schemeClr val="lt1"/>
+            </a:fontRef>
+          </p:style>
+        </p:cxnSp>
+      </p:grpSp>
+      <p:grpSp>
+        <p:nvGrpSpPr>
+          <p:cNvPr id="12" name="Group 11"/>
+          <p:cNvGrpSpPr/>
+          <p:nvPr/>
+        </p:nvGrpSpPr>
+        <p:grpSpPr>
+          <a:xfrm>
+            <a:off x="6943589" y="508464"/>
+            <a:ext cx="1180408" cy="748145"/>
+            <a:chOff x="2809700" y="1917469"/>
+            <a:chExt cx="1180408" cy="748145"/>
+          </a:xfrm>
+        </p:grpSpPr>
+        <p:sp>
+          <p:nvSpPr>
+            <p:cNvPr id="13" name="Rectangle 12"/>
+            <p:cNvSpPr/>
+            <p:nvPr/>
+          </p:nvSpPr>
+          <p:spPr>
+            <a:xfrm>
+              <a:off x="2818014" y="1917469"/>
+              <a:ext cx="1147157" cy="748145"/>
+            </a:xfrm>
+            <a:prstGeom prst="rect">
+              <a:avLst/>
+            </a:prstGeom>
+            <a:solidFill>
+              <a:schemeClr val="bg1"/>
+            </a:solidFill>
+            <a:ln w="38100">
+              <a:solidFill>
+                <a:schemeClr val="tx1"/>
+              </a:solidFill>
+            </a:ln>
+          </p:spPr>
+          <p:style>
+            <a:lnRef idx="2">
+              <a:schemeClr val="accent1">
+                <a:shade val="50000"/>
+              </a:schemeClr>
+            </a:lnRef>
+            <a:fillRef idx="1">
+              <a:schemeClr val="accent1"/>
+            </a:fillRef>
+            <a:effectRef idx="0">
+              <a:schemeClr val="accent1"/>
+            </a:effectRef>
+            <a:fontRef idx="minor">
+              <a:schemeClr val="lt1"/>
+            </a:fontRef>
+          </p:style>
+          <p:txBody>
+            <a:bodyPr rtlCol="0" anchor="ctr"/>
+            <a:lstStyle/>
+            <a:p>
+              <a:pPr algn="ctr"/>
+              <a:endParaRPr lang="en-US"/>
+            </a:p>
+          </p:txBody>
+        </p:sp>
+        <p:cxnSp>
+          <p:nvCxnSpPr>
+            <p:cNvPr id="14" name="Straight Connector 13"/>
+            <p:cNvCxnSpPr/>
+            <p:nvPr/>
+          </p:nvCxnSpPr>
+          <p:spPr>
+            <a:xfrm>
+              <a:off x="2809700" y="2103120"/>
+              <a:ext cx="1180408" cy="0"/>
+            </a:xfrm>
+            <a:prstGeom prst="line">
+              <a:avLst/>
+            </a:prstGeom>
+            <a:solidFill>
+              <a:schemeClr val="bg1"/>
+            </a:solidFill>
+            <a:ln w="38100">
+              <a:solidFill>
+                <a:schemeClr val="tx1"/>
+              </a:solidFill>
+            </a:ln>
+          </p:spPr>
+          <p:style>
+            <a:lnRef idx="2">
+              <a:schemeClr val="accent1">
+                <a:shade val="50000"/>
+              </a:schemeClr>
+            </a:lnRef>
+            <a:fillRef idx="1">
+              <a:schemeClr val="accent1"/>
+            </a:fillRef>
+            <a:effectRef idx="0">
+              <a:schemeClr val="accent1"/>
+            </a:effectRef>
+            <a:fontRef idx="minor">
+              <a:schemeClr val="lt1"/>
+            </a:fontRef>
+          </p:style>
+        </p:cxnSp>
+        <p:cxnSp>
+          <p:nvCxnSpPr>
+            <p:cNvPr id="15" name="Straight Connector 14"/>
+            <p:cNvCxnSpPr/>
+            <p:nvPr/>
+          </p:nvCxnSpPr>
+          <p:spPr>
+            <a:xfrm>
+              <a:off x="2818013" y="2435629"/>
+              <a:ext cx="1147157" cy="0"/>
+            </a:xfrm>
+            <a:prstGeom prst="line">
+              <a:avLst/>
+            </a:prstGeom>
+            <a:solidFill>
+              <a:schemeClr val="bg1"/>
+            </a:solidFill>
+            <a:ln w="38100">
+              <a:solidFill>
+                <a:schemeClr val="tx1"/>
+              </a:solidFill>
+            </a:ln>
+          </p:spPr>
+          <p:style>
+            <a:lnRef idx="2">
+              <a:schemeClr val="accent1">
+                <a:shade val="50000"/>
+              </a:schemeClr>
+            </a:lnRef>
+            <a:fillRef idx="1">
+              <a:schemeClr val="accent1"/>
+            </a:fillRef>
+            <a:effectRef idx="0">
+              <a:schemeClr val="accent1"/>
+            </a:effectRef>
+            <a:fontRef idx="minor">
+              <a:schemeClr val="lt1"/>
+            </a:fontRef>
+          </p:style>
+        </p:cxnSp>
+      </p:grpSp>
+      <p:cxnSp>
+        <p:nvCxnSpPr>
+          <p:cNvPr id="28" name="Straight Arrow Connector 27"/>
+          <p:cNvCxnSpPr>
+            <a:stCxn id="9" idx="3"/>
+          </p:cNvCxnSpPr>
+          <p:nvPr/>
+        </p:nvCxnSpPr>
+        <p:spPr>
+          <a:xfrm>
+            <a:off x="6203428" y="1989167"/>
+            <a:ext cx="748474" cy="0"/>
+          </a:xfrm>
+          <a:prstGeom prst="straightConnector1">
+            <a:avLst/>
+          </a:prstGeom>
+          <a:ln>
+            <a:tailEnd type="triangle"/>
+          </a:ln>
+        </p:spPr>
+        <p:style>
+          <a:lnRef idx="1">
+            <a:schemeClr val="accent1"/>
+          </a:lnRef>
+          <a:fillRef idx="0">
+            <a:schemeClr val="accent1"/>
+          </a:fillRef>
+          <a:effectRef idx="0">
+            <a:schemeClr val="accent1"/>
+          </a:effectRef>
+          <a:fontRef idx="minor">
+            <a:schemeClr val="tx1"/>
+          </a:fontRef>
+        </p:style>
+      </p:cxnSp>
+      <p:cxnSp>
+        <p:nvCxnSpPr>
+          <p:cNvPr id="30" name="Straight Arrow Connector 29"/>
+          <p:cNvCxnSpPr>
+            <a:stCxn id="53" idx="3"/>
+          </p:cNvCxnSpPr>
+          <p:nvPr/>
+        </p:nvCxnSpPr>
+        <p:spPr>
+          <a:xfrm flipV="1">
+            <a:off x="6216002" y="1073383"/>
+            <a:ext cx="702650" cy="911937"/>
+          </a:xfrm>
+          <a:prstGeom prst="straightConnector1">
+            <a:avLst/>
+          </a:prstGeom>
+          <a:ln>
+            <a:tailEnd type="triangle"/>
+          </a:ln>
+        </p:spPr>
+        <p:style>
+          <a:lnRef idx="1">
+            <a:schemeClr val="accent1"/>
+          </a:lnRef>
+          <a:fillRef idx="0">
+            <a:schemeClr val="accent1"/>
+          </a:fillRef>
+          <a:effectRef idx="0">
+            <a:schemeClr val="accent1"/>
+          </a:effectRef>
+          <a:fontRef idx="minor">
+            <a:schemeClr val="tx1"/>
+          </a:fontRef>
+        </p:style>
+      </p:cxnSp>
+      <p:cxnSp>
+        <p:nvCxnSpPr>
+          <p:cNvPr id="32" name="Straight Arrow Connector 31"/>
+          <p:cNvCxnSpPr/>
+          <p:nvPr/>
+        </p:nvCxnSpPr>
+        <p:spPr>
+          <a:xfrm flipV="1">
+            <a:off x="8383380" y="1354506"/>
+            <a:ext cx="1329465" cy="10999"/>
+          </a:xfrm>
+          <a:prstGeom prst="straightConnector1">
+            <a:avLst/>
+          </a:prstGeom>
+          <a:ln>
+            <a:tailEnd type="triangle"/>
+          </a:ln>
+        </p:spPr>
+        <p:style>
+          <a:lnRef idx="1">
+            <a:schemeClr val="accent1"/>
+          </a:lnRef>
+          <a:fillRef idx="0">
+            <a:schemeClr val="accent1"/>
+          </a:fillRef>
+          <a:effectRef idx="0">
+            <a:schemeClr val="accent1"/>
+          </a:effectRef>
+          <a:fontRef idx="minor">
+            <a:schemeClr val="tx1"/>
+          </a:fontRef>
+        </p:style>
+      </p:cxnSp>
+      <p:sp>
+        <p:nvSpPr>
+          <p:cNvPr id="47" name="Right Brace 46"/>
+          <p:cNvSpPr/>
+          <p:nvPr/>
+        </p:nvSpPr>
+        <p:spPr>
+          <a:xfrm>
+            <a:off x="8099059" y="968917"/>
+            <a:ext cx="284321" cy="771179"/>
+          </a:xfrm>
+          <a:prstGeom prst="rightBrace">
+            <a:avLst/>
+          </a:prstGeom>
+        </p:spPr>
+        <p:style>
+          <a:lnRef idx="1">
+            <a:schemeClr val="accent1"/>
+          </a:lnRef>
+          <a:fillRef idx="0">
+            <a:schemeClr val="accent1"/>
+          </a:fillRef>
+          <a:effectRef idx="0">
+            <a:schemeClr val="accent1"/>
+          </a:effectRef>
+          <a:fontRef idx="minor">
+            <a:schemeClr val="tx1"/>
+          </a:fontRef>
+        </p:style>
+        <p:txBody>
+          <a:bodyPr rtlCol="0" anchor="ctr"/>
+          <a:lstStyle/>
+          <a:p>
+            <a:pPr algn="ctr"/>
+            <a:endParaRPr lang="en-US"/>
+          </a:p>
+        </p:txBody>
+      </p:sp>
+      <p:sp>
+        <p:nvSpPr>
+          <p:cNvPr id="48" name="TextBox 47"/>
+          <p:cNvSpPr txBox="1"/>
+          <p:nvPr/>
+        </p:nvSpPr>
+        <p:spPr>
+          <a:xfrm>
+            <a:off x="632810" y="316559"/>
+            <a:ext cx="2659511" cy="1015663"/>
+          </a:xfrm>
+          <a:prstGeom prst="rect">
+            <a:avLst/>
+          </a:prstGeom>
+          <a:noFill/>
+        </p:spPr>
+        <p:txBody>
+          <a:bodyPr wrap="none" rtlCol="0">
+            <a:spAutoFit/>
+          </a:bodyPr>
+          <a:lstStyle/>
+          <a:p>
+            <a:r>
+              <a:rPr lang="en-US" sz="6000" dirty="0" smtClean="0"/>
+              <a:t>Servlets</a:t>
+            </a:r>
+          </a:p>
+        </p:txBody>
+      </p:sp>
+      <p:sp>
+        <p:nvSpPr>
+          <p:cNvPr id="50" name="TextBox 49"/>
+          <p:cNvSpPr txBox="1"/>
+          <p:nvPr/>
+        </p:nvSpPr>
+        <p:spPr>
+          <a:xfrm>
+            <a:off x="9375624" y="2174551"/>
+            <a:ext cx="2145816" cy="307777"/>
+          </a:xfrm>
+          <a:prstGeom prst="rect">
+            <a:avLst/>
+          </a:prstGeom>
+          <a:noFill/>
+        </p:spPr>
+        <p:txBody>
+          <a:bodyPr wrap="square" rtlCol="0">
+            <a:spAutoFit/>
+          </a:bodyPr>
+          <a:lstStyle/>
+          <a:p>
+            <a:pPr algn="ctr"/>
+            <a:r>
+              <a:rPr lang="en-US" sz="1400" dirty="0" smtClean="0"/>
+              <a:t>Oracle Database (Model)</a:t>
+            </a:r>
+            <a:endParaRPr lang="en-US" sz="1400" dirty="0"/>
+          </a:p>
+        </p:txBody>
+      </p:sp>
+      <p:sp>
+        <p:nvSpPr>
+          <p:cNvPr id="51" name="TextBox 50"/>
+          <p:cNvSpPr txBox="1"/>
+          <p:nvPr/>
+        </p:nvSpPr>
+        <p:spPr>
+          <a:xfrm>
+            <a:off x="6730777" y="2169228"/>
+            <a:ext cx="1856270" cy="307777"/>
+          </a:xfrm>
+          <a:prstGeom prst="rect">
+            <a:avLst/>
+          </a:prstGeom>
+          <a:noFill/>
+        </p:spPr>
+        <p:txBody>
+          <a:bodyPr wrap="square" rtlCol="0">
+            <a:spAutoFit/>
+          </a:bodyPr>
+          <a:lstStyle/>
+          <a:p>
+            <a:pPr algn="ctr"/>
+            <a:r>
+              <a:rPr lang="en-US" sz="1400" dirty="0" smtClean="0"/>
+              <a:t>Entity Classes (Model)</a:t>
+            </a:r>
+            <a:endParaRPr lang="en-US" sz="1400" dirty="0"/>
+          </a:p>
+        </p:txBody>
+      </p:sp>
+      <p:sp>
+        <p:nvSpPr>
+          <p:cNvPr id="53" name="TextBox 52"/>
+          <p:cNvSpPr txBox="1"/>
+          <p:nvPr/>
+        </p:nvSpPr>
+        <p:spPr>
+          <a:xfrm>
+            <a:off x="4589418" y="1523655"/>
+            <a:ext cx="1626584" cy="923330"/>
+          </a:xfrm>
+          <a:prstGeom prst="rect">
+            <a:avLst/>
+          </a:prstGeom>
+          <a:noFill/>
+        </p:spPr>
+        <p:txBody>
+          <a:bodyPr wrap="square" rtlCol="0">
+            <a:spAutoFit/>
+          </a:bodyPr>
+          <a:lstStyle/>
+          <a:p>
+            <a:pPr algn="ctr"/>
+            <a:r>
+              <a:rPr lang="en-US" dirty="0" smtClean="0"/>
+              <a:t>Database Utility Classes (model)</a:t>
+            </a:r>
+            <a:endParaRPr lang="en-US" dirty="0"/>
+          </a:p>
+        </p:txBody>
+      </p:sp>
+      <p:grpSp>
+        <p:nvGrpSpPr>
+          <p:cNvPr id="38" name="Group 37"/>
+          <p:cNvGrpSpPr/>
+          <p:nvPr/>
+        </p:nvGrpSpPr>
+        <p:grpSpPr>
+          <a:xfrm>
+            <a:off x="6090132" y="3833271"/>
+            <a:ext cx="1976573" cy="2225156"/>
+            <a:chOff x="4563482" y="2636309"/>
+            <a:chExt cx="1586653" cy="1068755"/>
+          </a:xfrm>
+        </p:grpSpPr>
+        <p:grpSp>
+          <p:nvGrpSpPr>
+            <p:cNvPr id="40" name="Group 39"/>
+            <p:cNvGrpSpPr/>
+            <p:nvPr/>
+          </p:nvGrpSpPr>
+          <p:grpSpPr>
+            <a:xfrm>
+              <a:off x="4563482" y="2673520"/>
+              <a:ext cx="1586653" cy="1031544"/>
+              <a:chOff x="5580322" y="3225067"/>
+              <a:chExt cx="1147157" cy="687695"/>
+            </a:xfrm>
+          </p:grpSpPr>
+          <p:sp>
+            <p:nvSpPr>
+              <p:cNvPr id="43" name="Rectangle 42"/>
+              <p:cNvSpPr/>
+              <p:nvPr/>
+            </p:nvSpPr>
+            <p:spPr>
+              <a:xfrm>
+                <a:off x="5580322" y="3225067"/>
+                <a:ext cx="1147157" cy="687695"/>
+              </a:xfrm>
+              <a:prstGeom prst="rect">
+                <a:avLst/>
+              </a:prstGeom>
+              <a:solidFill>
+                <a:schemeClr val="bg1"/>
+              </a:solidFill>
+              <a:ln w="38100">
+                <a:solidFill>
+                  <a:schemeClr val="tx1"/>
+                </a:solidFill>
+              </a:ln>
+            </p:spPr>
+            <p:style>
+              <a:lnRef idx="2">
+                <a:schemeClr val="accent1">
+                  <a:shade val="50000"/>
+                </a:schemeClr>
+              </a:lnRef>
+              <a:fillRef idx="1">
+                <a:schemeClr val="accent1"/>
+              </a:fillRef>
+              <a:effectRef idx="0">
+                <a:schemeClr val="accent1"/>
+              </a:effectRef>
+              <a:fontRef idx="minor">
+                <a:schemeClr val="lt1"/>
+              </a:fontRef>
+            </p:style>
+            <p:txBody>
+              <a:bodyPr rtlCol="0" anchor="ctr"/>
+              <a:lstStyle/>
+              <a:p>
+                <a:pPr algn="ctr"/>
+                <a:endParaRPr lang="en-US" dirty="0"/>
+              </a:p>
+            </p:txBody>
+          </p:sp>
+          <p:cxnSp>
+            <p:nvCxnSpPr>
+              <p:cNvPr id="44" name="Straight Connector 43"/>
+              <p:cNvCxnSpPr/>
+              <p:nvPr/>
+            </p:nvCxnSpPr>
+            <p:spPr>
+              <a:xfrm>
+                <a:off x="5633977" y="3342451"/>
+                <a:ext cx="1073098" cy="0"/>
+              </a:xfrm>
+              <a:prstGeom prst="line">
+                <a:avLst/>
+              </a:prstGeom>
+              <a:solidFill>
+                <a:schemeClr val="bg1"/>
+              </a:solidFill>
+              <a:ln w="38100">
+                <a:solidFill>
+                  <a:schemeClr val="tx1"/>
+                </a:solidFill>
+              </a:ln>
+            </p:spPr>
+            <p:style>
+              <a:lnRef idx="2">
+                <a:schemeClr val="accent1">
+                  <a:shade val="50000"/>
+                </a:schemeClr>
+              </a:lnRef>
+              <a:fillRef idx="1">
+                <a:schemeClr val="accent1"/>
+              </a:fillRef>
+              <a:effectRef idx="0">
+                <a:schemeClr val="accent1"/>
+              </a:effectRef>
+              <a:fontRef idx="minor">
+                <a:schemeClr val="lt1"/>
+              </a:fontRef>
+            </p:style>
+          </p:cxnSp>
+        </p:grpSp>
+        <p:sp>
+          <p:nvSpPr>
+            <p:cNvPr id="41" name="TextBox 40"/>
+            <p:cNvSpPr txBox="1"/>
+            <p:nvPr/>
+          </p:nvSpPr>
+          <p:spPr>
+            <a:xfrm>
+              <a:off x="4680908" y="3175697"/>
+              <a:ext cx="1312118" cy="369332"/>
+            </a:xfrm>
+            <a:prstGeom prst="rect">
+              <a:avLst/>
+            </a:prstGeom>
+            <a:noFill/>
+          </p:spPr>
+          <p:txBody>
+            <a:bodyPr wrap="square" rtlCol="0">
+              <a:spAutoFit/>
+            </a:bodyPr>
+            <a:lstStyle/>
+            <a:p>
+              <a:pPr algn="ctr"/>
+              <a:r>
+                <a:rPr lang="en-US" dirty="0" smtClean="0"/>
+                <a:t>Controller</a:t>
+              </a:r>
+              <a:endParaRPr lang="en-US" dirty="0"/>
+            </a:p>
+          </p:txBody>
+        </p:sp>
+        <p:sp>
+          <p:nvSpPr>
+            <p:cNvPr id="42" name="TextBox 41"/>
+            <p:cNvSpPr txBox="1"/>
+            <p:nvPr/>
+          </p:nvSpPr>
+          <p:spPr>
+            <a:xfrm>
+              <a:off x="4638094" y="2636309"/>
+              <a:ext cx="839574" cy="177392"/>
+            </a:xfrm>
+            <a:prstGeom prst="rect">
+              <a:avLst/>
+            </a:prstGeom>
+            <a:noFill/>
+          </p:spPr>
+          <p:txBody>
+            <a:bodyPr wrap="square" rtlCol="0">
+              <a:spAutoFit/>
+            </a:bodyPr>
+            <a:lstStyle/>
+            <a:p>
+              <a:r>
+                <a:rPr lang="en-US" dirty="0" smtClean="0"/>
+                <a:t>Servlet</a:t>
+              </a:r>
+              <a:endParaRPr lang="en-US" dirty="0"/>
+            </a:p>
+          </p:txBody>
+        </p:sp>
+      </p:grpSp>
+      <p:sp>
+        <p:nvSpPr>
+          <p:cNvPr id="46" name="Rectangle 45"/>
+          <p:cNvSpPr/>
+          <p:nvPr/>
+        </p:nvSpPr>
+        <p:spPr>
+          <a:xfrm>
+            <a:off x="8337004" y="3563768"/>
+            <a:ext cx="1632643" cy="999918"/>
+          </a:xfrm>
+          <a:prstGeom prst="rect">
+            <a:avLst/>
+          </a:prstGeom>
+          <a:solidFill>
+            <a:schemeClr val="bg1"/>
+          </a:solidFill>
+          <a:ln w="38100">
+            <a:solidFill>
+              <a:schemeClr val="tx1"/>
+            </a:solidFill>
+          </a:ln>
+        </p:spPr>
+        <p:style>
+          <a:lnRef idx="2">
+            <a:schemeClr val="accent1">
+              <a:shade val="50000"/>
+            </a:schemeClr>
+          </a:lnRef>
+          <a:fillRef idx="1">
+            <a:schemeClr val="accent1"/>
+          </a:fillRef>
+          <a:effectRef idx="0">
+            <a:schemeClr val="accent1"/>
+          </a:effectRef>
+          <a:fontRef idx="minor">
+            <a:schemeClr val="lt1"/>
+          </a:fontRef>
+        </p:style>
+        <p:txBody>
+          <a:bodyPr rtlCol="0" anchor="ctr"/>
+          <a:lstStyle/>
+          <a:p>
+            <a:pPr algn="ctr"/>
+            <a:r>
+              <a:rPr lang="en-US" dirty="0" smtClean="0"/>
+              <a:t>Java</a:t>
+            </a:r>
+            <a:endParaRPr lang="en-US" dirty="0"/>
+          </a:p>
+        </p:txBody>
+      </p:sp>
+      <p:grpSp>
+        <p:nvGrpSpPr>
+          <p:cNvPr id="52" name="Group 51"/>
+          <p:cNvGrpSpPr/>
+          <p:nvPr/>
+        </p:nvGrpSpPr>
+        <p:grpSpPr>
+          <a:xfrm>
+            <a:off x="10349843" y="3824703"/>
+            <a:ext cx="1632643" cy="1122219"/>
+            <a:chOff x="4563482" y="2582844"/>
+            <a:chExt cx="1632643" cy="1122219"/>
+          </a:xfrm>
+        </p:grpSpPr>
+        <p:grpSp>
+          <p:nvGrpSpPr>
+            <p:cNvPr id="57" name="Group 56"/>
+            <p:cNvGrpSpPr/>
+            <p:nvPr/>
+          </p:nvGrpSpPr>
+          <p:grpSpPr>
+            <a:xfrm>
+              <a:off x="4563482" y="2582844"/>
+              <a:ext cx="1632643" cy="1122219"/>
+              <a:chOff x="5580322" y="3164617"/>
+              <a:chExt cx="1180408" cy="748145"/>
+            </a:xfrm>
+          </p:grpSpPr>
+          <p:sp>
+            <p:nvSpPr>
+              <p:cNvPr id="60" name="Rectangle 59"/>
+              <p:cNvSpPr/>
+              <p:nvPr/>
+            </p:nvSpPr>
+            <p:spPr>
+              <a:xfrm>
+                <a:off x="5580322" y="3164617"/>
+                <a:ext cx="1147157" cy="748145"/>
+              </a:xfrm>
+              <a:prstGeom prst="rect">
+                <a:avLst/>
+              </a:prstGeom>
+              <a:solidFill>
+                <a:schemeClr val="bg1"/>
+              </a:solidFill>
+              <a:ln w="38100">
+                <a:solidFill>
+                  <a:schemeClr val="tx1"/>
+                </a:solidFill>
+              </a:ln>
+            </p:spPr>
+            <p:style>
+              <a:lnRef idx="2">
+                <a:schemeClr val="accent1">
+                  <a:shade val="50000"/>
+                </a:schemeClr>
+              </a:lnRef>
+              <a:fillRef idx="1">
+                <a:schemeClr val="accent1"/>
+              </a:fillRef>
+              <a:effectRef idx="0">
+                <a:schemeClr val="accent1"/>
+              </a:effectRef>
+              <a:fontRef idx="minor">
+                <a:schemeClr val="lt1"/>
+              </a:fontRef>
+            </p:style>
+            <p:txBody>
+              <a:bodyPr rtlCol="0" anchor="ctr"/>
+              <a:lstStyle/>
+              <a:p>
+                <a:pPr algn="ctr"/>
+                <a:endParaRPr lang="en-US" dirty="0"/>
+              </a:p>
+            </p:txBody>
+          </p:sp>
+          <p:cxnSp>
+            <p:nvCxnSpPr>
+              <p:cNvPr id="61" name="Straight Connector 60"/>
+              <p:cNvCxnSpPr/>
+              <p:nvPr/>
+            </p:nvCxnSpPr>
+            <p:spPr>
+              <a:xfrm>
+                <a:off x="5580322" y="3435927"/>
+                <a:ext cx="1180408" cy="0"/>
+              </a:xfrm>
+              <a:prstGeom prst="line">
+                <a:avLst/>
+              </a:prstGeom>
+              <a:solidFill>
+                <a:schemeClr val="bg1"/>
+              </a:solidFill>
+              <a:ln w="38100">
+                <a:solidFill>
+                  <a:schemeClr val="tx1"/>
+                </a:solidFill>
+              </a:ln>
+            </p:spPr>
+            <p:style>
+              <a:lnRef idx="2">
+                <a:schemeClr val="accent1">
+                  <a:shade val="50000"/>
+                </a:schemeClr>
+              </a:lnRef>
+              <a:fillRef idx="1">
+                <a:schemeClr val="accent1"/>
+              </a:fillRef>
+              <a:effectRef idx="0">
+                <a:schemeClr val="accent1"/>
+              </a:effectRef>
+              <a:fontRef idx="minor">
+                <a:schemeClr val="lt1"/>
+              </a:fontRef>
+            </p:style>
+          </p:cxnSp>
+        </p:grpSp>
+        <p:sp>
+          <p:nvSpPr>
+            <p:cNvPr id="58" name="TextBox 57"/>
+            <p:cNvSpPr txBox="1"/>
+            <p:nvPr/>
+          </p:nvSpPr>
+          <p:spPr>
+            <a:xfrm>
+              <a:off x="4680908" y="3175697"/>
+              <a:ext cx="1312118" cy="369332"/>
+            </a:xfrm>
+            <a:prstGeom prst="rect">
+              <a:avLst/>
+            </a:prstGeom>
+            <a:noFill/>
+          </p:spPr>
+          <p:txBody>
+            <a:bodyPr wrap="square" rtlCol="0">
+              <a:spAutoFit/>
+            </a:bodyPr>
+            <a:lstStyle/>
+            <a:p>
+              <a:pPr algn="ctr"/>
+              <a:r>
+                <a:rPr lang="en-US" dirty="0" smtClean="0"/>
+                <a:t>Controller</a:t>
+              </a:r>
+              <a:endParaRPr lang="en-US" dirty="0"/>
+            </a:p>
+          </p:txBody>
+        </p:sp>
+        <p:sp>
+          <p:nvSpPr>
+            <p:cNvPr id="59" name="TextBox 58"/>
+            <p:cNvSpPr txBox="1"/>
+            <p:nvPr/>
+          </p:nvSpPr>
+          <p:spPr>
+            <a:xfrm>
+              <a:off x="4940752" y="2668882"/>
+              <a:ext cx="968354" cy="369332"/>
+            </a:xfrm>
+            <a:prstGeom prst="rect">
+              <a:avLst/>
+            </a:prstGeom>
+            <a:noFill/>
+          </p:spPr>
+          <p:txBody>
+            <a:bodyPr wrap="square" rtlCol="0">
+              <a:spAutoFit/>
+            </a:bodyPr>
+            <a:lstStyle/>
+            <a:p>
+              <a:r>
+                <a:rPr lang="en-US" dirty="0" smtClean="0"/>
+                <a:t>Servlet</a:t>
+              </a:r>
+              <a:endParaRPr lang="en-US" dirty="0"/>
+            </a:p>
+          </p:txBody>
+        </p:sp>
+      </p:grpSp>
+      <p:sp>
+        <p:nvSpPr>
+          <p:cNvPr id="62" name="TextBox 61"/>
+          <p:cNvSpPr txBox="1"/>
+          <p:nvPr/>
+        </p:nvSpPr>
+        <p:spPr>
+          <a:xfrm>
+            <a:off x="8349971" y="3573299"/>
+            <a:ext cx="1606707" cy="923330"/>
+          </a:xfrm>
+          <a:prstGeom prst="rect">
+            <a:avLst/>
+          </a:prstGeom>
+          <a:noFill/>
+        </p:spPr>
+        <p:txBody>
+          <a:bodyPr wrap="square" rtlCol="0">
+            <a:spAutoFit/>
+          </a:bodyPr>
+          <a:lstStyle/>
+          <a:p>
+            <a:pPr algn="ctr"/>
+            <a:r>
+              <a:rPr lang="en-US" dirty="0" smtClean="0"/>
+              <a:t>Java Server Pages (JSP)</a:t>
+            </a:r>
+          </a:p>
+          <a:p>
+            <a:pPr algn="ctr"/>
+            <a:r>
+              <a:rPr lang="en-US" dirty="0" smtClean="0"/>
+              <a:t>(view)</a:t>
+            </a:r>
+            <a:endParaRPr lang="en-US" dirty="0"/>
+          </a:p>
+        </p:txBody>
+      </p:sp>
+      <p:pic>
+        <p:nvPicPr>
+          <p:cNvPr id="6" name="Picture 2"/>
+          <p:cNvPicPr>
+            <a:picLocks noChangeAspect="1" noChangeArrowheads="1"/>
+          </p:cNvPicPr>
+          <p:nvPr/>
+        </p:nvPicPr>
+        <p:blipFill>
+          <a:blip r:embed="rId5">
+            <a:extLst>
+              <a:ext uri="{28A0092B-C50C-407E-A947-70E740481C1C}">
+                <a14:useLocalDpi xmlns:a14="http://schemas.microsoft.com/office/drawing/2010/main" val="0"/>
+              </a:ext>
+            </a:extLst>
+          </a:blip>
+          <a:srcRect/>
+          <a:stretch>
+            <a:fillRect/>
+          </a:stretch>
+        </p:blipFill>
+        <p:spPr bwMode="auto">
+          <a:xfrm>
+            <a:off x="6112941" y="4292188"/>
+            <a:ext cx="1953764" cy="1775358"/>
+          </a:xfrm>
+          <a:prstGeom prst="rect">
+            <a:avLst/>
+          </a:prstGeom>
+          <a:noFill/>
+          <a:ln>
+            <a:noFill/>
+          </a:ln>
+          <a:effectLst/>
+          <a:extLst>
+            <a:ext uri="{909E8E84-426E-40DD-AFC4-6F175D3DCCD1}">
+              <a14:hiddenFill xmlns:a14="http://schemas.microsoft.com/office/drawing/2010/main">
+                <a:solidFill>
+                  <a:schemeClr val="accent1"/>
+                </a:solidFill>
+              </a14:hiddenFill>
+            </a:ext>
+            <a:ext uri="{91240B29-F687-4F45-9708-019B960494DF}">
+              <a14:hiddenLine xmlns:a14="http://schemas.microsoft.com/office/drawing/2010/main" w="9525">
+                <a:solidFill>
+                  <a:schemeClr val="tx1"/>
+                </a:solidFill>
+                <a:miter lim="800000"/>
+                <a:headEnd/>
+                <a:tailEnd/>
+              </a14:hiddenLine>
+            </a:ext>
+            <a:ext uri="{AF507438-7753-43E0-B8FC-AC1667EBCBE1}">
+              <a14:hiddenEffects xmlns:a14="http://schemas.microsoft.com/office/drawing/2010/main">
+                <a:effectLst>
+                  <a:outerShdw dist="35921" dir="2700000" algn="ctr" rotWithShape="0">
+                    <a:schemeClr val="bg2"/>
+                  </a:outerShdw>
+                </a:effectLst>
+              </a14:hiddenEffects>
+            </a:ext>
+          </a:extLst>
+        </p:spPr>
+      </p:pic>
+    </p:spTree>
+    <p:extLst>
+      <p:ext uri="{BB962C8B-B14F-4D97-AF65-F5344CB8AC3E}">
+        <p14:creationId xmlns:p14="http://schemas.microsoft.com/office/powerpoint/2010/main" val="1670456338"/>
+      </p:ext>
+    </p:extLst>
+  </p:cSld>
+  <p:clrMapOvr>
+    <a:masterClrMapping/>
+  </p:clrMapOvr>
+</p:sld>
+</file>
+
+<file path=ppt/slides/slide6.xml><?xml version="1.0" encoding="utf-8"?>
+<p:sld xmlns:a="http://schemas.openxmlformats.org/drawingml/2006/main" xmlns:r="http://schemas.openxmlformats.org/officeDocument/2006/relationships" xmlns:p="http://schemas.openxmlformats.org/presentationml/2006/main">
+  <p:cSld>
+    <p:spTree>
+      <p:nvGrpSpPr>
+        <p:cNvPr id="1" name=""/>
+        <p:cNvGrpSpPr/>
+        <p:nvPr/>
+      </p:nvGrpSpPr>
+      <p:grpSpPr>
+        <a:xfrm>
+          <a:off x="0" y="0"/>
+          <a:ext cx="0" cy="0"/>
+          <a:chOff x="0" y="0"/>
+          <a:chExt cx="0" cy="0"/>
+        </a:xfrm>
+      </p:grpSpPr>
+      <p:sp>
+        <p:nvSpPr>
+          <p:cNvPr id="2" name="Title 1"/>
+          <p:cNvSpPr>
+            <a:spLocks noGrp="1"/>
+          </p:cNvSpPr>
+          <p:nvPr>
+            <p:ph type="title"/>
+          </p:nvPr>
+        </p:nvSpPr>
+        <p:spPr/>
+        <p:txBody>
+          <a:bodyPr/>
+          <a:lstStyle/>
+          <a:p>
+            <a:r>
+              <a:rPr lang="en-US" dirty="0" smtClean="0"/>
+              <a:t>Java Server Pages</a:t>
+            </a:r>
+            <a:endParaRPr lang="en-US" dirty="0"/>
+          </a:p>
+        </p:txBody>
+      </p:sp>
+      <p:sp>
+        <p:nvSpPr>
+          <p:cNvPr id="3" name="Content Placeholder 2"/>
+          <p:cNvSpPr>
+            <a:spLocks noGrp="1"/>
+          </p:cNvSpPr>
+          <p:nvPr>
+            <p:ph idx="1"/>
+          </p:nvPr>
+        </p:nvSpPr>
+        <p:spPr/>
+        <p:txBody>
+          <a:bodyPr/>
+          <a:lstStyle/>
+          <a:p>
+            <a:endParaRPr lang="en-US"/>
+          </a:p>
+        </p:txBody>
+      </p:sp>
+    </p:spTree>
+    <p:extLst>
+      <p:ext uri="{BB962C8B-B14F-4D97-AF65-F5344CB8AC3E}">
+        <p14:creationId xmlns:p14="http://schemas.microsoft.com/office/powerpoint/2010/main" val="2061483438"/>
+      </p:ext>
+    </p:extLst>
+  </p:cSld>
+  <p:clrMapOvr>
+    <a:masterClrMapping/>
+  </p:clrMapOvr>
+</p:sld>
+</file>
+
+<file path=ppt/slides/slide7.xml><?xml version="1.0" encoding="utf-8"?>
+<p:sld xmlns:a="http://schemas.openxmlformats.org/drawingml/2006/main" xmlns:r="http://schemas.openxmlformats.org/officeDocument/2006/relationships" xmlns:p="http://schemas.openxmlformats.org/presentationml/2006/main">
+  <p:cSld>
+    <p:spTree>
+      <p:nvGrpSpPr>
+        <p:cNvPr id="1" name=""/>
+        <p:cNvGrpSpPr/>
+        <p:nvPr/>
+      </p:nvGrpSpPr>
+      <p:grpSpPr>
+        <a:xfrm>
+          <a:off x="0" y="0"/>
+          <a:ext cx="0" cy="0"/>
+          <a:chOff x="0" y="0"/>
+          <a:chExt cx="0" cy="0"/>
+        </a:xfrm>
+      </p:grpSpPr>
+      <p:sp>
+        <p:nvSpPr>
+          <p:cNvPr id="2" name="Title 1"/>
+          <p:cNvSpPr>
+            <a:spLocks noGrp="1"/>
+          </p:cNvSpPr>
+          <p:nvPr>
+            <p:ph type="title"/>
+          </p:nvPr>
+        </p:nvSpPr>
+        <p:spPr/>
+        <p:txBody>
+          <a:bodyPr/>
+          <a:lstStyle/>
+          <a:p>
+            <a:r>
+              <a:rPr lang="en-US" dirty="0" smtClean="0"/>
+              <a:t>Data Model</a:t>
+            </a:r>
+            <a:endParaRPr lang="en-US" dirty="0"/>
+          </a:p>
+        </p:txBody>
+      </p:sp>
+    </p:spTree>
+    <p:extLst>
+      <p:ext uri="{BB962C8B-B14F-4D97-AF65-F5344CB8AC3E}">
+        <p14:creationId xmlns:p14="http://schemas.microsoft.com/office/powerpoint/2010/main" val="676830055"/>
+      </p:ext>
+    </p:extLst>
+  </p:cSld>
+  <p:clrMapOvr>
+    <a:masterClrMapping/>
+  </p:clrMapOvr>
+</p:sld>
+</file>
+
+<file path=ppt/slides/slide8.xml><?xml version="1.0" encoding="utf-8"?>
+<p:sld xmlns:a="http://schemas.openxmlformats.org/drawingml/2006/main" xmlns:r="http://schemas.openxmlformats.org/officeDocument/2006/relationships" xmlns:p="http://schemas.openxmlformats.org/presentationml/2006/main">
+  <p:cSld>
+    <p:spTree>
+      <p:nvGrpSpPr>
+        <p:cNvPr id="1" name=""/>
+        <p:cNvGrpSpPr/>
+        <p:nvPr/>
+      </p:nvGrpSpPr>
+      <p:grpSpPr>
+        <a:xfrm>
+          <a:off x="0" y="0"/>
+          <a:ext cx="0" cy="0"/>
+          <a:chOff x="0" y="0"/>
+          <a:chExt cx="0" cy="0"/>
+        </a:xfrm>
+      </p:grpSpPr>
+      <p:pic>
+        <p:nvPicPr>
+          <p:cNvPr id="3074" name="Picture 2"/>
+          <p:cNvPicPr>
+            <a:picLocks noChangeAspect="1" noChangeArrowheads="1"/>
+          </p:cNvPicPr>
+          <p:nvPr/>
+        </p:nvPicPr>
+        <p:blipFill>
+          <a:blip r:embed="rId2">
+            <a:extLst>
+              <a:ext uri="{28A0092B-C50C-407E-A947-70E740481C1C}">
+                <a14:useLocalDpi xmlns:a14="http://schemas.microsoft.com/office/drawing/2010/main" val="0"/>
+              </a:ext>
+            </a:extLst>
+          </a:blip>
+          <a:srcRect/>
+          <a:stretch>
+            <a:fillRect/>
+          </a:stretch>
+        </p:blipFill>
+        <p:spPr bwMode="auto">
+          <a:xfrm>
+            <a:off x="549393" y="445571"/>
+            <a:ext cx="11239180" cy="5683767"/>
+          </a:xfrm>
+          <a:prstGeom prst="rect">
+            <a:avLst/>
+          </a:prstGeom>
+          <a:noFill/>
+          <a:ln>
+            <a:noFill/>
+          </a:ln>
+          <a:effectLst/>
+          <a:extLst>
+            <a:ext uri="{909E8E84-426E-40DD-AFC4-6F175D3DCCD1}">
+              <a14:hiddenFill xmlns:a14="http://schemas.microsoft.com/office/drawing/2010/main">
+                <a:solidFill>
+                  <a:schemeClr val="accent1"/>
+                </a:solidFill>
+              </a14:hiddenFill>
+            </a:ext>
+            <a:ext uri="{91240B29-F687-4F45-9708-019B960494DF}">
+              <a14:hiddenLine xmlns:a14="http://schemas.microsoft.com/office/drawing/2010/main" w="9525">
+                <a:solidFill>
+                  <a:schemeClr val="tx1"/>
+                </a:solidFill>
+                <a:miter lim="800000"/>
+                <a:headEnd/>
+                <a:tailEnd/>
+              </a14:hiddenLine>
+            </a:ext>
+            <a:ext uri="{AF507438-7753-43E0-B8FC-AC1667EBCBE1}">
+              <a14:hiddenEffects xmlns:a14="http://schemas.microsoft.com/office/drawing/2010/main">
+                <a:effectLst>
+                  <a:outerShdw dist="35921" dir="2700000" algn="ctr" rotWithShape="0">
+                    <a:schemeClr val="bg2"/>
+                  </a:outerShdw>
+                </a:effectLst>
+              </a14:hiddenEffects>
+            </a:ext>
+          </a:extLst>
+        </p:spPr>
+      </p:pic>
+    </p:spTree>
+    <p:extLst>
+      <p:ext uri="{BB962C8B-B14F-4D97-AF65-F5344CB8AC3E}">
+        <p14:creationId xmlns:p14="http://schemas.microsoft.com/office/powerpoint/2010/main" val="4046548254"/>
       </p:ext>
     </p:extLst>
   </p:cSld>
@@ -6196,7 +8067,7 @@
   <a:extraClrSchemeLst/>
   <a:extLst>
     <a:ext uri="{05A4C25C-085E-4340-85A3-A5531E510DB2}">
-      <thm15:themeFamily xmlns:thm15="http://schemas.microsoft.com/office/thememl/2012/main" name="Office Theme" id="{62F939B6-93AF-4DB8-9C6B-D6C7DFDC589F}" vid="{4A3C46E8-61CC-4603-A589-7422A47A8E4A}"/>
+      <thm15:themeFamily xmlns:thm15="http://schemas.microsoft.com/office/thememl/2012/main" xmlns="" name="Office Theme" id="{62F939B6-93AF-4DB8-9C6B-D6C7DFDC589F}" vid="{4A3C46E8-61CC-4603-A589-7422A47A8E4A}"/>
     </a:ext>
   </a:extLst>
 </a:theme>
